--- a/CPE Electives (1 - 3)/01. Lectures Notebook/00. Presentations & Text Books/01. Electives 1 to 3/30. Association Rule Mining & Apriori.pptx
+++ b/CPE Electives (1 - 3)/01. Lectures Notebook/00. Presentations & Text Books/01. Electives 1 to 3/30. Association Rule Mining & Apriori.pptx
@@ -3804,7 +3804,7 @@
             <a:pPr algn="ctr"/>
             <a:r>
               <a:rPr lang="en-US" sz="1400" b="1" dirty="0" smtClean="0"/>
-              <a:t>ASSOCIATION RULE MINING</a:t>
+              <a:t>ASSOCIATION RULE MINING - APRIORI</a:t>
             </a:r>
             <a:endParaRPr lang="en-PH" sz="1400" b="1" dirty="0"/>
           </a:p>
@@ -4277,6 +4277,13 @@
   <p:clrMapOvr>
     <a:masterClrMapping/>
   </p:clrMapOvr>
+  <p:timing>
+    <p:tnLst>
+      <p:par>
+        <p:cTn id="1" dur="indefinite" restart="never" nodeType="tmRoot"/>
+      </p:par>
+    </p:tnLst>
+  </p:timing>
 </p:sld>
 </file>
 
@@ -4964,13 +4971,7 @@
               <a:rPr lang="en-US" sz="2400" i="1" dirty="0" smtClean="0">
                 <a:sym typeface="Wingdings" pitchFamily="2" charset="2"/>
               </a:rPr>
-              <a:t>From the table, </a:t>
-            </a:r>
-            <a:r>
-              <a:rPr lang="en-US" sz="2400" i="1" dirty="0" smtClean="0">
-                <a:sym typeface="Wingdings" pitchFamily="2" charset="2"/>
-              </a:rPr>
-              <a:t>2 / 5</a:t>
+              <a:t>From the table, 2 / 5</a:t>
             </a:r>
             <a:r>
               <a:rPr lang="en-US" sz="2400" i="1" dirty="0" smtClean="0">
@@ -5199,8 +5200,8 @@
           </a:p>
         </p:txBody>
       </p:sp>
-      <mc:AlternateContent xmlns:mc="http://schemas.openxmlformats.org/markup-compatibility/2006">
-        <mc:Choice xmlns:a14="http://schemas.microsoft.com/office/drawing/2010/main" Requires="a14">
+      <mc:AlternateContent xmlns:mc="http://schemas.openxmlformats.org/markup-compatibility/2006" xmlns:a14="http://schemas.microsoft.com/office/drawing/2010/main">
+        <mc:Choice Requires="a14">
           <p:sp>
             <p:nvSpPr>
               <p:cNvPr id="5" name="TextBox 4"/>
@@ -5223,6 +5224,7 @@
               </a:bodyPr>
               <a:lstStyle/>
               <a:p>
+                <a:pPr/>
                 <a14:m>
                   <m:oMathPara xmlns:m="http://schemas.openxmlformats.org/officeDocument/2006/math">
                     <m:oMathParaPr>
@@ -5410,7 +5412,7 @@
             </p:txBody>
           </p:sp>
         </mc:Choice>
-        <mc:Fallback>
+        <mc:Fallback xmlns="">
           <p:sp>
             <p:nvSpPr>
               <p:cNvPr id="5" name="TextBox 4"/>
@@ -5881,14 +5883,11 @@
               </a:rPr>
               <a:t>itself.</a:t>
             </a:r>
-            <a:endParaRPr lang="en-US" sz="2400" dirty="0" smtClean="0">
-              <a:sym typeface="Wingdings" pitchFamily="2" charset="2"/>
-            </a:endParaRPr>
           </a:p>
         </p:txBody>
       </p:sp>
-      <mc:AlternateContent xmlns:mc="http://schemas.openxmlformats.org/markup-compatibility/2006">
-        <mc:Choice xmlns:a14="http://schemas.microsoft.com/office/drawing/2010/main" Requires="a14">
+      <mc:AlternateContent xmlns:mc="http://schemas.openxmlformats.org/markup-compatibility/2006" xmlns:a14="http://schemas.microsoft.com/office/drawing/2010/main">
+        <mc:Choice Requires="a14">
           <p:sp>
             <p:nvSpPr>
               <p:cNvPr id="5" name="TextBox 4"/>
@@ -5911,6 +5910,7 @@
               </a:bodyPr>
               <a:lstStyle/>
               <a:p>
+                <a:pPr/>
                 <a14:m>
                   <m:oMathPara xmlns:m="http://schemas.openxmlformats.org/officeDocument/2006/math">
                     <m:oMathParaPr>
@@ -6131,7 +6131,7 @@
             </p:txBody>
           </p:sp>
         </mc:Choice>
-        <mc:Fallback>
+        <mc:Fallback xmlns="">
           <p:sp>
             <p:nvSpPr>
               <p:cNvPr id="5" name="TextBox 4"/>
@@ -6418,14 +6418,11 @@
               </a:rPr>
               <a:t>itself.</a:t>
             </a:r>
-            <a:endParaRPr lang="en-US" sz="2400" dirty="0" smtClean="0">
-              <a:sym typeface="Wingdings" pitchFamily="2" charset="2"/>
-            </a:endParaRPr>
           </a:p>
         </p:txBody>
       </p:sp>
-      <mc:AlternateContent xmlns:mc="http://schemas.openxmlformats.org/markup-compatibility/2006">
-        <mc:Choice xmlns:a14="http://schemas.microsoft.com/office/drawing/2010/main" Requires="a14">
+      <mc:AlternateContent xmlns:mc="http://schemas.openxmlformats.org/markup-compatibility/2006" xmlns:a14="http://schemas.microsoft.com/office/drawing/2010/main">
+        <mc:Choice Requires="a14">
           <p:sp>
             <p:nvSpPr>
               <p:cNvPr id="5" name="TextBox 4"/>
@@ -6448,6 +6445,7 @@
               </a:bodyPr>
               <a:lstStyle/>
               <a:p>
+                <a:pPr/>
                 <a14:m>
                   <m:oMathPara xmlns:m="http://schemas.openxmlformats.org/officeDocument/2006/math">
                     <m:oMathParaPr>
@@ -6668,7 +6666,7 @@
             </p:txBody>
           </p:sp>
         </mc:Choice>
-        <mc:Fallback>
+        <mc:Fallback xmlns="">
           <p:sp>
             <p:nvSpPr>
               <p:cNvPr id="5" name="TextBox 4"/>
@@ -6955,14 +6953,11 @@
               </a:rPr>
               <a:t>itself.</a:t>
             </a:r>
-            <a:endParaRPr lang="en-US" sz="2400" dirty="0" smtClean="0">
-              <a:sym typeface="Wingdings" pitchFamily="2" charset="2"/>
-            </a:endParaRPr>
           </a:p>
         </p:txBody>
       </p:sp>
-      <mc:AlternateContent xmlns:mc="http://schemas.openxmlformats.org/markup-compatibility/2006">
-        <mc:Choice xmlns:a14="http://schemas.microsoft.com/office/drawing/2010/main" Requires="a14">
+      <mc:AlternateContent xmlns:mc="http://schemas.openxmlformats.org/markup-compatibility/2006" xmlns:a14="http://schemas.microsoft.com/office/drawing/2010/main">
+        <mc:Choice Requires="a14">
           <p:sp>
             <p:nvSpPr>
               <p:cNvPr id="5" name="TextBox 4"/>
@@ -6985,6 +6980,7 @@
               </a:bodyPr>
               <a:lstStyle/>
               <a:p>
+                <a:pPr/>
                 <a14:m>
                   <m:oMathPara xmlns:m="http://schemas.openxmlformats.org/officeDocument/2006/math">
                     <m:oMathParaPr>
@@ -7205,7 +7201,7 @@
             </p:txBody>
           </p:sp>
         </mc:Choice>
-        <mc:Fallback>
+        <mc:Fallback xmlns="">
           <p:sp>
             <p:nvSpPr>
               <p:cNvPr id="5" name="TextBox 4"/>
@@ -7492,14 +7488,11 @@
               </a:rPr>
               <a:t>itself.</a:t>
             </a:r>
-            <a:endParaRPr lang="en-US" sz="2400" dirty="0" smtClean="0">
-              <a:sym typeface="Wingdings" pitchFamily="2" charset="2"/>
-            </a:endParaRPr>
           </a:p>
         </p:txBody>
       </p:sp>
-      <mc:AlternateContent xmlns:mc="http://schemas.openxmlformats.org/markup-compatibility/2006">
-        <mc:Choice xmlns:a14="http://schemas.microsoft.com/office/drawing/2010/main" Requires="a14">
+      <mc:AlternateContent xmlns:mc="http://schemas.openxmlformats.org/markup-compatibility/2006" xmlns:a14="http://schemas.microsoft.com/office/drawing/2010/main">
+        <mc:Choice Requires="a14">
           <p:sp>
             <p:nvSpPr>
               <p:cNvPr id="5" name="TextBox 4"/>
@@ -7522,6 +7515,7 @@
               </a:bodyPr>
               <a:lstStyle/>
               <a:p>
+                <a:pPr/>
                 <a14:m>
                   <m:oMathPara xmlns:m="http://schemas.openxmlformats.org/officeDocument/2006/math">
                     <m:oMathParaPr>
@@ -7742,7 +7736,7 @@
             </p:txBody>
           </p:sp>
         </mc:Choice>
-        <mc:Fallback>
+        <mc:Fallback xmlns="">
           <p:sp>
             <p:nvSpPr>
               <p:cNvPr id="5" name="TextBox 4"/>
@@ -8313,7 +8307,43 @@
             </a:pPr>
             <a:r>
               <a:rPr lang="en-US" sz="2800" dirty="0" smtClean="0"/>
-              <a:t>A technique used to uncover interesting relationships, patterns, or associations within large datasets.</a:t>
+              <a:t>A technique used to uncover interesting </a:t>
+            </a:r>
+            <a:r>
+              <a:rPr lang="en-US" sz="2800" dirty="0" smtClean="0">
+                <a:solidFill>
+                  <a:srgbClr val="FF0000"/>
+                </a:solidFill>
+              </a:rPr>
+              <a:t>relationships</a:t>
+            </a:r>
+            <a:r>
+              <a:rPr lang="en-US" sz="2800" dirty="0" smtClean="0"/>
+              <a:t>, </a:t>
+            </a:r>
+            <a:r>
+              <a:rPr lang="en-US" sz="2800" dirty="0" smtClean="0">
+                <a:solidFill>
+                  <a:srgbClr val="FF0000"/>
+                </a:solidFill>
+              </a:rPr>
+              <a:t>patterns</a:t>
+            </a:r>
+            <a:r>
+              <a:rPr lang="en-US" sz="2800" dirty="0" smtClean="0"/>
+              <a:t>, or </a:t>
+            </a:r>
+            <a:r>
+              <a:rPr lang="en-US" sz="2800" dirty="0" smtClean="0">
+                <a:solidFill>
+                  <a:srgbClr val="FF0000"/>
+                </a:solidFill>
+              </a:rPr>
+              <a:t>associations</a:t>
+            </a:r>
+            <a:r>
+              <a:rPr lang="en-US" sz="2800" dirty="0" smtClean="0"/>
+              <a:t> within large datasets.</a:t>
             </a:r>
           </a:p>
           <a:p>
@@ -8330,11 +8360,19 @@
             </a:pPr>
             <a:r>
               <a:rPr lang="en-US" sz="2800" dirty="0" smtClean="0"/>
-              <a:t>A</a:t>
+              <a:t>Applied in fields such as retail and e-commerce to help understand customer purchasing patterns, detecting anomalies, and making </a:t>
+            </a:r>
+            <a:r>
+              <a:rPr lang="en-US" sz="2800" dirty="0" smtClean="0">
+                <a:solidFill>
+                  <a:srgbClr val="FF0000"/>
+                </a:solidFill>
+              </a:rPr>
+              <a:t>strategic business decisions</a:t>
             </a:r>
             <a:r>
               <a:rPr lang="en-US" sz="2800" dirty="0" smtClean="0"/>
-              <a:t>pplied in fields such as retail and e-commerce to help understand customer purchasing patterns, detecting anomalies, and making strategic business decisions.</a:t>
+              <a:t>.</a:t>
             </a:r>
           </a:p>
           <a:p>
@@ -8352,6 +8390,13 @@
   <p:clrMapOvr>
     <a:masterClrMapping/>
   </p:clrMapOvr>
+  <p:timing>
+    <p:tnLst>
+      <p:par>
+        <p:cTn id="1" dur="indefinite" restart="never" nodeType="tmRoot"/>
+      </p:par>
+    </p:tnLst>
+  </p:timing>
 </p:sld>
 </file>
 
@@ -8398,7 +8443,6 @@
               <a:rPr lang="en-US" sz="4400" b="1" dirty="0" smtClean="0"/>
               <a:t>Interpreting Lift Values (L &gt; 1)</a:t>
             </a:r>
-            <a:endParaRPr lang="en-US" sz="4400" b="1" dirty="0" smtClean="0"/>
           </a:p>
           <a:p>
             <a:endParaRPr lang="en-US" sz="1400" b="1" dirty="0" smtClean="0"/>
@@ -8594,7 +8638,6 @@
               <a:rPr lang="en-US" sz="4400" b="1" dirty="0" smtClean="0"/>
               <a:t>Interpreting Lift Values (L = 1)</a:t>
             </a:r>
-            <a:endParaRPr lang="en-US" sz="4400" b="1" dirty="0" smtClean="0"/>
           </a:p>
           <a:p>
             <a:endParaRPr lang="en-US" sz="1400" b="1" dirty="0" smtClean="0"/>
@@ -8700,7 +8743,6 @@
               <a:rPr lang="en-US" sz="4400" b="1" dirty="0" smtClean="0"/>
               <a:t>Interpreting Lift Values (L &lt; 1)</a:t>
             </a:r>
-            <a:endParaRPr lang="en-US" sz="4400" b="1" dirty="0" smtClean="0"/>
           </a:p>
           <a:p>
             <a:endParaRPr lang="en-US" sz="1400" b="1" dirty="0" smtClean="0"/>
@@ -9056,9 +9098,6 @@
               </a:rPr>
               <a:t> we need to consider</a:t>
             </a:r>
-            <a:endParaRPr lang="en-US" sz="2800" dirty="0" smtClean="0">
-              <a:sym typeface="Wingdings" pitchFamily="2" charset="2"/>
-            </a:endParaRPr>
           </a:p>
         </p:txBody>
       </p:sp>
@@ -9700,16 +9739,16 @@
               <a:t> appears in 3 transactions (1, 4, 5) ➔ </a:t>
             </a:r>
             <a:r>
+              <a:rPr lang="en-PH" sz="2400" b="1" dirty="0" smtClean="0"/>
+              <a:t>frequent</a:t>
+            </a:r>
+          </a:p>
+          <a:p>
+            <a:pPr marL="0" lvl="1"/>
+            <a:r>
               <a:rPr lang="en-PH" sz="2400" b="1" dirty="0"/>
-              <a:t>frequent</a:t>
-            </a:r>
-            <a:r>
-              <a:rPr lang="en-PH" sz="2400" b="1" dirty="0" smtClean="0"/>
               <a:t>{</a:t>
             </a:r>
-          </a:p>
-          <a:p>
-            <a:pPr marL="0" lvl="1"/>
             <a:r>
               <a:rPr lang="en-PH" sz="2400" b="1" dirty="0" smtClean="0"/>
               <a:t>Bread</a:t>
@@ -10550,7 +10589,6 @@
               <a:rPr lang="en-US" sz="2800" dirty="0" smtClean="0"/>
               <a:t>These rules reveal dependencies and correlations among items, often helping organizations in cross-selling, recommendation systems, and inventory management</a:t>
             </a:r>
-            <a:endParaRPr lang="en-US" sz="2800" dirty="0" smtClean="0"/>
           </a:p>
           <a:p>
             <a:endParaRPr lang="en-US" sz="1400" b="1" dirty="0" smtClean="0"/>
@@ -10567,6 +10605,13 @@
   <p:clrMapOvr>
     <a:masterClrMapping/>
   </p:clrMapOvr>
+  <p:timing>
+    <p:tnLst>
+      <p:par>
+        <p:cTn id="1" dur="indefinite" restart="never" nodeType="tmRoot"/>
+      </p:par>
+    </p:tnLst>
+  </p:timing>
 </p:sld>
 </file>
 

--- a/CPE Electives (1 - 3)/01. Lectures Notebook/00. Presentations & Text Books/01. Electives 1 to 3/30. Association Rule Mining & Apriori.pptx
+++ b/CPE Electives (1 - 3)/01. Lectures Notebook/00. Presentations & Text Books/01. Electives 1 to 3/30. Association Rule Mining & Apriori.pptx
@@ -141,7 +141,7 @@
   </p:defaultTextStyle>
   <p:extLst>
     <p:ext uri="{EFAFB233-063F-42B5-8137-9DF3F51BA10A}">
-      <p15:sldGuideLst xmlns:p15="http://schemas.microsoft.com/office/powerpoint/2012/main" xmlns="">
+      <p15:sldGuideLst xmlns="" xmlns:p15="http://schemas.microsoft.com/office/powerpoint/2012/main">
         <p15:guide id="1" orient="horz" pos="2160">
           <p15:clr>
             <a:srgbClr val="A4A3A4"/>
@@ -155,7 +155,7 @@
       </p15:sldGuideLst>
     </p:ext>
     <p:ext uri="{2D200454-40CA-4A62-9FC3-DE9A4176ACB9}">
-      <p15:notesGuideLst xmlns:p15="http://schemas.microsoft.com/office/powerpoint/2012/main" xmlns="">
+      <p15:notesGuideLst xmlns="" xmlns:p15="http://schemas.microsoft.com/office/powerpoint/2012/main">
         <p15:guide id="1" orient="horz" pos="2880">
           <p15:clr>
             <a:srgbClr val="A4A3A4"/>
@@ -254,7 +254,7 @@
           <a:p>
             <a:fld id="{3B6B94FD-5702-4F25-9A4D-07294FF3292C}" type="datetimeFigureOut">
               <a:rPr lang="en-PH" smtClean="0"/>
-              <a:t>05/11/2024</a:t>
+              <a:t>11/11/2024</a:t>
             </a:fld>
             <a:endParaRPr lang="en-PH"/>
           </a:p>
@@ -419,7 +419,7 @@
           <a:p>
             <a:fld id="{8365AC51-C568-4371-A28D-D14CF2BCF8BA}" type="datetimeFigureOut">
               <a:rPr lang="en-US" smtClean="0"/>
-              <a:t>11/5/2024</a:t>
+              <a:t>11/11/2024</a:t>
             </a:fld>
             <a:endParaRPr lang="en-US"/>
           </a:p>
@@ -1236,7 +1236,7 @@
           <p:cNvPr id="7" name="Footer Placeholder 4">
             <a:extLst>
               <a:ext uri="{FF2B5EF4-FFF2-40B4-BE49-F238E27FC236}">
-                <a16:creationId xmlns:a16="http://schemas.microsoft.com/office/drawing/2014/main" xmlns="" id="{D057E4A9-8BC1-4D03-B0CD-00353C3D487D}"/>
+                <a16:creationId xmlns="" xmlns:a16="http://schemas.microsoft.com/office/drawing/2014/main" id="{D057E4A9-8BC1-4D03-B0CD-00353C3D487D}"/>
               </a:ext>
             </a:extLst>
           </p:cNvPr>
@@ -12606,7 +12606,7 @@
   <a:extraClrSchemeLst/>
   <a:extLst>
     <a:ext uri="{05A4C25C-085E-4340-85A3-A5531E510DB2}">
-      <thm15:themeFamily xmlns:thm15="http://schemas.microsoft.com/office/thememl/2012/main" xmlns="" name="Office Theme" id="{62F939B6-93AF-4DB8-9C6B-D6C7DFDC589F}" vid="{4A3C46E8-61CC-4603-A589-7422A47A8E4A}"/>
+      <thm15:themeFamily xmlns="" xmlns:thm15="http://schemas.microsoft.com/office/thememl/2012/main" name="Office Theme" id="{62F939B6-93AF-4DB8-9C6B-D6C7DFDC589F}" vid="{4A3C46E8-61CC-4603-A589-7422A47A8E4A}"/>
     </a:ext>
   </a:extLst>
 </a:theme>

--- a/CPE Electives (1 - 3)/01. Lectures Notebook/00. Presentations & Text Books/01. Electives 1 to 3/30. Association Rule Mining & Apriori.pptx
+++ b/CPE Electives (1 - 3)/01. Lectures Notebook/00. Presentations & Text Books/01. Electives 1 to 3/30. Association Rule Mining & Apriori.pptx
@@ -141,7 +141,7 @@
   </p:defaultTextStyle>
   <p:extLst>
     <p:ext uri="{EFAFB233-063F-42B5-8137-9DF3F51BA10A}">
-      <p15:sldGuideLst xmlns="" xmlns:p15="http://schemas.microsoft.com/office/powerpoint/2012/main">
+      <p15:sldGuideLst xmlns:p15="http://schemas.microsoft.com/office/powerpoint/2012/main">
         <p15:guide id="1" orient="horz" pos="2160">
           <p15:clr>
             <a:srgbClr val="A4A3A4"/>
@@ -155,7 +155,7 @@
       </p15:sldGuideLst>
     </p:ext>
     <p:ext uri="{2D200454-40CA-4A62-9FC3-DE9A4176ACB9}">
-      <p15:notesGuideLst xmlns="" xmlns:p15="http://schemas.microsoft.com/office/powerpoint/2012/main">
+      <p15:notesGuideLst xmlns:p15="http://schemas.microsoft.com/office/powerpoint/2012/main">
         <p15:guide id="1" orient="horz" pos="2880">
           <p15:clr>
             <a:srgbClr val="A4A3A4"/>
@@ -254,7 +254,7 @@
           <a:p>
             <a:fld id="{3B6B94FD-5702-4F25-9A4D-07294FF3292C}" type="datetimeFigureOut">
               <a:rPr lang="en-PH" smtClean="0"/>
-              <a:t>11/11/2024</a:t>
+              <a:t>10 Dec 2024</a:t>
             </a:fld>
             <a:endParaRPr lang="en-PH"/>
           </a:p>
@@ -419,7 +419,7 @@
           <a:p>
             <a:fld id="{8365AC51-C568-4371-A28D-D14CF2BCF8BA}" type="datetimeFigureOut">
               <a:rPr lang="en-US" smtClean="0"/>
-              <a:t>11/11/2024</a:t>
+              <a:t>12/10/2024</a:t>
             </a:fld>
             <a:endParaRPr lang="en-US"/>
           </a:p>
@@ -1236,7 +1236,7 @@
           <p:cNvPr id="7" name="Footer Placeholder 4">
             <a:extLst>
               <a:ext uri="{FF2B5EF4-FFF2-40B4-BE49-F238E27FC236}">
-                <a16:creationId xmlns="" xmlns:a16="http://schemas.microsoft.com/office/drawing/2014/main" id="{D057E4A9-8BC1-4D03-B0CD-00353C3D487D}"/>
+                <a16:creationId xmlns:a16="http://schemas.microsoft.com/office/drawing/2014/main" id="{D057E4A9-8BC1-4D03-B0CD-00353C3D487D}"/>
               </a:ext>
             </a:extLst>
           </p:cNvPr>
@@ -3803,7 +3803,7 @@
           <a:p>
             <a:pPr algn="ctr"/>
             <a:r>
-              <a:rPr lang="en-US" sz="1400" b="1" dirty="0" smtClean="0"/>
+              <a:rPr lang="en-US" sz="1400" b="1" dirty="0"/>
               <a:t>ASSOCIATION RULE MINING - APRIORI</a:t>
             </a:r>
             <a:endParaRPr lang="en-PH" sz="1400" b="1" dirty="0"/>
@@ -4188,10 +4188,9 @@
           <a:p>
             <a:pPr algn="ctr"/>
             <a:r>
-              <a:rPr lang="en-US" sz="5400" b="1" dirty="0" smtClean="0"/>
+              <a:rPr lang="en-US" sz="5400" b="1" dirty="0"/>
               <a:t>ASSOCIATION RULE MINING</a:t>
             </a:r>
-            <a:endParaRPr lang="en-US" sz="5400" b="1" dirty="0"/>
           </a:p>
         </p:txBody>
       </p:sp>
@@ -4238,12 +4237,8 @@
           <a:p>
             <a:pPr algn="ctr"/>
             <a:r>
-              <a:rPr lang="en-US" sz="2000" i="1" dirty="0" smtClean="0"/>
-              <a:t>College </a:t>
-            </a:r>
-            <a:r>
               <a:rPr lang="en-US" sz="2000" i="1" dirty="0"/>
-              <a:t>of Engineering</a:t>
+              <a:t>College of Engineering</a:t>
             </a:r>
           </a:p>
           <a:p>
@@ -4277,13 +4272,6 @@
   <p:clrMapOvr>
     <a:masterClrMapping/>
   </p:clrMapOvr>
-  <p:timing>
-    <p:tnLst>
-      <p:par>
-        <p:cTn id="1" dur="indefinite" restart="never" nodeType="tmRoot"/>
-      </p:par>
-    </p:tnLst>
-  </p:timing>
 </p:sld>
 </file>
 
@@ -4328,14 +4316,13 @@
           <a:p>
             <a:pPr algn="ctr"/>
             <a:r>
-              <a:rPr lang="en-US" sz="6000" b="1" dirty="0" err="1" smtClean="0"/>
+              <a:rPr lang="en-US" sz="6000" b="1" dirty="0" err="1"/>
               <a:t>Associaton</a:t>
             </a:r>
             <a:r>
-              <a:rPr lang="en-US" sz="6000" b="1" dirty="0" smtClean="0"/>
+              <a:rPr lang="en-US" sz="6000" b="1" dirty="0"/>
               <a:t> Rules</a:t>
             </a:r>
-            <a:endParaRPr lang="en-US" sz="6000" b="1" dirty="0"/>
           </a:p>
         </p:txBody>
       </p:sp>
@@ -4392,10 +4379,9 @@
           <a:lstStyle/>
           <a:p>
             <a:r>
-              <a:rPr lang="en-US" sz="4400" b="1" dirty="0" smtClean="0"/>
+              <a:rPr lang="en-US" sz="4400" b="1" dirty="0"/>
               <a:t>An Association Rule</a:t>
             </a:r>
-            <a:endParaRPr lang="en-US" sz="4400" b="1" dirty="0"/>
           </a:p>
           <a:p>
             <a:endParaRPr lang="en-US" sz="1400" b="1" dirty="0"/>
@@ -4406,160 +4392,25 @@
               <a:buChar char="-"/>
             </a:pPr>
             <a:r>
-              <a:rPr lang="en-US" sz="2800" dirty="0" smtClean="0"/>
+              <a:rPr lang="en-US" sz="2800" dirty="0"/>
               <a:t>It is an implication in the form of </a:t>
             </a:r>
             <a:r>
-              <a:rPr lang="en-US" sz="2800" b="1" i="1" dirty="0" smtClean="0"/>
+              <a:rPr lang="en-US" sz="2800" b="1" i="1" dirty="0"/>
               <a:t>X </a:t>
             </a:r>
             <a:r>
-              <a:rPr lang="en-US" sz="2800" b="1" i="1" dirty="0" smtClean="0">
+              <a:rPr lang="en-US" sz="2800" b="1" i="1" dirty="0">
                 <a:sym typeface="Wingdings" pitchFamily="2" charset="2"/>
               </a:rPr>
               <a:t> Y</a:t>
             </a:r>
             <a:r>
-              <a:rPr lang="en-US" sz="2800" dirty="0" smtClean="0">
+              <a:rPr lang="en-US" sz="2800" dirty="0">
                 <a:sym typeface="Wingdings" pitchFamily="2" charset="2"/>
               </a:rPr>
               <a:t>, where:</a:t>
             </a:r>
-          </a:p>
-          <a:p>
-            <a:pPr marL="914400" lvl="1" indent="-457200">
-              <a:buFontTx/>
-              <a:buChar char="-"/>
-            </a:pPr>
-            <a:endParaRPr lang="en-US" sz="1200" dirty="0" smtClean="0">
-              <a:sym typeface="Wingdings" pitchFamily="2" charset="2"/>
-            </a:endParaRPr>
-          </a:p>
-          <a:p>
-            <a:r>
-              <a:rPr lang="en-US" sz="2800" dirty="0" smtClean="0">
-                <a:sym typeface="Wingdings" pitchFamily="2" charset="2"/>
-              </a:rPr>
-              <a:t>	</a:t>
-            </a:r>
-            <a:r>
-              <a:rPr lang="en-US" sz="2800" b="1" i="1" dirty="0" smtClean="0">
-                <a:sym typeface="Wingdings" pitchFamily="2" charset="2"/>
-              </a:rPr>
-              <a:t>X</a:t>
-            </a:r>
-            <a:r>
-              <a:rPr lang="en-US" sz="2800" b="1" dirty="0" smtClean="0">
-                <a:sym typeface="Wingdings" pitchFamily="2" charset="2"/>
-              </a:rPr>
-              <a:t> </a:t>
-            </a:r>
-            <a:r>
-              <a:rPr lang="en-US" sz="2800" dirty="0" smtClean="0">
-                <a:sym typeface="Wingdings" pitchFamily="2" charset="2"/>
-              </a:rPr>
-              <a:t>and </a:t>
-            </a:r>
-            <a:r>
-              <a:rPr lang="en-US" sz="2800" b="1" i="1" dirty="0" smtClean="0">
-                <a:sym typeface="Wingdings" pitchFamily="2" charset="2"/>
-              </a:rPr>
-              <a:t>Y</a:t>
-            </a:r>
-            <a:r>
-              <a:rPr lang="en-US" sz="2800" dirty="0" smtClean="0">
-                <a:sym typeface="Wingdings" pitchFamily="2" charset="2"/>
-              </a:rPr>
-              <a:t> are </a:t>
-            </a:r>
-            <a:r>
-              <a:rPr lang="en-US" sz="2800" dirty="0" err="1" smtClean="0">
-                <a:sym typeface="Wingdings" pitchFamily="2" charset="2"/>
-              </a:rPr>
-              <a:t>itemsets</a:t>
-            </a:r>
-            <a:r>
-              <a:rPr lang="en-US" sz="2800" dirty="0" smtClean="0">
-                <a:sym typeface="Wingdings" pitchFamily="2" charset="2"/>
-              </a:rPr>
-              <a:t>, with </a:t>
-            </a:r>
-            <a:r>
-              <a:rPr lang="en-US" sz="2800" b="1" i="1" dirty="0" smtClean="0">
-                <a:sym typeface="Wingdings" pitchFamily="2" charset="2"/>
-              </a:rPr>
-              <a:t>X</a:t>
-            </a:r>
-            <a:r>
-              <a:rPr lang="en-US" sz="2800" dirty="0" smtClean="0">
-                <a:sym typeface="Wingdings" pitchFamily="2" charset="2"/>
-              </a:rPr>
-              <a:t> as the “antecedent” (if – part) and</a:t>
-            </a:r>
-          </a:p>
-          <a:p>
-            <a:r>
-              <a:rPr lang="en-US" sz="2800" dirty="0">
-                <a:sym typeface="Wingdings" pitchFamily="2" charset="2"/>
-              </a:rPr>
-              <a:t>	</a:t>
-            </a:r>
-            <a:r>
-              <a:rPr lang="en-US" sz="2800" b="1" i="1" dirty="0" smtClean="0">
-                <a:sym typeface="Wingdings" pitchFamily="2" charset="2"/>
-              </a:rPr>
-              <a:t>Y</a:t>
-            </a:r>
-            <a:r>
-              <a:rPr lang="en-US" sz="2800" dirty="0" smtClean="0">
-                <a:sym typeface="Wingdings" pitchFamily="2" charset="2"/>
-              </a:rPr>
-              <a:t> as the “consequent” (then – part)</a:t>
-            </a:r>
-          </a:p>
-          <a:p>
-            <a:endParaRPr lang="en-US" sz="2800" b="1" i="1" dirty="0">
-              <a:sym typeface="Wingdings" pitchFamily="2" charset="2"/>
-            </a:endParaRPr>
-          </a:p>
-          <a:p>
-            <a:pPr marL="914400" lvl="1" indent="-457200">
-              <a:buFontTx/>
-              <a:buChar char="-"/>
-            </a:pPr>
-            <a:r>
-              <a:rPr lang="en-US" sz="2800" dirty="0" smtClean="0"/>
-              <a:t>Example: </a:t>
-            </a:r>
-            <a:r>
-              <a:rPr lang="en-US" sz="2800" i="1" dirty="0" smtClean="0">
-                <a:solidFill>
-                  <a:srgbClr val="C00000"/>
-                </a:solidFill>
-              </a:rPr>
-              <a:t>{Milk, Diaper} </a:t>
-            </a:r>
-            <a:r>
-              <a:rPr lang="en-US" sz="2800" dirty="0" smtClean="0">
-                <a:sym typeface="Wingdings" pitchFamily="2" charset="2"/>
-              </a:rPr>
-              <a:t> </a:t>
-            </a:r>
-            <a:r>
-              <a:rPr lang="en-US" sz="2800" i="1" dirty="0" smtClean="0">
-                <a:solidFill>
-                  <a:srgbClr val="0070C0"/>
-                </a:solidFill>
-                <a:sym typeface="Wingdings" pitchFamily="2" charset="2"/>
-              </a:rPr>
-              <a:t>{Beer}</a:t>
-            </a:r>
-            <a:endParaRPr lang="en-US" sz="2800" i="1" dirty="0">
-              <a:solidFill>
-                <a:srgbClr val="0070C0"/>
-              </a:solidFill>
-              <a:sym typeface="Wingdings" pitchFamily="2" charset="2"/>
-            </a:endParaRPr>
           </a:p>
           <a:p>
             <a:pPr marL="914400" lvl="1" indent="-457200">
@@ -4578,43 +4429,166 @@
               <a:t>	</a:t>
             </a:r>
             <a:r>
-              <a:rPr lang="en-US" sz="2800" dirty="0" smtClean="0">
-                <a:sym typeface="Wingdings" pitchFamily="2" charset="2"/>
-              </a:rPr>
-              <a:t>meaning if </a:t>
-            </a:r>
-            <a:r>
-              <a:rPr lang="en-US" sz="2800" i="1" dirty="0" smtClean="0">
+              <a:rPr lang="en-US" sz="2800" b="1" i="1" dirty="0">
+                <a:sym typeface="Wingdings" pitchFamily="2" charset="2"/>
+              </a:rPr>
+              <a:t>X</a:t>
+            </a:r>
+            <a:r>
+              <a:rPr lang="en-US" sz="2800" b="1" dirty="0">
+                <a:sym typeface="Wingdings" pitchFamily="2" charset="2"/>
+              </a:rPr>
+              <a:t> </a:t>
+            </a:r>
+            <a:r>
+              <a:rPr lang="en-US" sz="2800" dirty="0">
+                <a:sym typeface="Wingdings" pitchFamily="2" charset="2"/>
+              </a:rPr>
+              <a:t>and </a:t>
+            </a:r>
+            <a:r>
+              <a:rPr lang="en-US" sz="2800" b="1" i="1" dirty="0">
+                <a:sym typeface="Wingdings" pitchFamily="2" charset="2"/>
+              </a:rPr>
+              <a:t>Y</a:t>
+            </a:r>
+            <a:r>
+              <a:rPr lang="en-US" sz="2800" dirty="0">
+                <a:sym typeface="Wingdings" pitchFamily="2" charset="2"/>
+              </a:rPr>
+              <a:t> are </a:t>
+            </a:r>
+            <a:r>
+              <a:rPr lang="en-US" sz="2800" dirty="0" err="1">
+                <a:sym typeface="Wingdings" pitchFamily="2" charset="2"/>
+              </a:rPr>
+              <a:t>itemsets</a:t>
+            </a:r>
+            <a:r>
+              <a:rPr lang="en-US" sz="2800" dirty="0">
+                <a:sym typeface="Wingdings" pitchFamily="2" charset="2"/>
+              </a:rPr>
+              <a:t>, with </a:t>
+            </a:r>
+            <a:r>
+              <a:rPr lang="en-US" sz="2800" b="1" i="1" dirty="0">
+                <a:sym typeface="Wingdings" pitchFamily="2" charset="2"/>
+              </a:rPr>
+              <a:t>X</a:t>
+            </a:r>
+            <a:r>
+              <a:rPr lang="en-US" sz="2800" dirty="0">
+                <a:sym typeface="Wingdings" pitchFamily="2" charset="2"/>
+              </a:rPr>
+              <a:t> as the “antecedent” (if – part) and</a:t>
+            </a:r>
+          </a:p>
+          <a:p>
+            <a:r>
+              <a:rPr lang="en-US" sz="2800" dirty="0">
+                <a:sym typeface="Wingdings" pitchFamily="2" charset="2"/>
+              </a:rPr>
+              <a:t>	</a:t>
+            </a:r>
+            <a:r>
+              <a:rPr lang="en-US" sz="2800" b="1" i="1" dirty="0">
+                <a:sym typeface="Wingdings" pitchFamily="2" charset="2"/>
+              </a:rPr>
+              <a:t>Y</a:t>
+            </a:r>
+            <a:r>
+              <a:rPr lang="en-US" sz="2800" dirty="0">
+                <a:sym typeface="Wingdings" pitchFamily="2" charset="2"/>
+              </a:rPr>
+              <a:t> as the “consequent” (then – part)</a:t>
+            </a:r>
+          </a:p>
+          <a:p>
+            <a:endParaRPr lang="en-US" sz="2800" b="1" i="1" dirty="0">
+              <a:sym typeface="Wingdings" pitchFamily="2" charset="2"/>
+            </a:endParaRPr>
+          </a:p>
+          <a:p>
+            <a:pPr marL="914400" lvl="1" indent="-457200">
+              <a:buFontTx/>
+              <a:buChar char="-"/>
+            </a:pPr>
+            <a:r>
+              <a:rPr lang="en-US" sz="2800" dirty="0"/>
+              <a:t>Example: </a:t>
+            </a:r>
+            <a:r>
+              <a:rPr lang="en-US" sz="2800" i="1" dirty="0">
+                <a:solidFill>
+                  <a:srgbClr val="C00000"/>
+                </a:solidFill>
+              </a:rPr>
+              <a:t>{Milk, Diaper} </a:t>
+            </a:r>
+            <a:r>
+              <a:rPr lang="en-US" sz="2800" dirty="0">
+                <a:sym typeface="Wingdings" pitchFamily="2" charset="2"/>
+              </a:rPr>
+              <a:t> </a:t>
+            </a:r>
+            <a:r>
+              <a:rPr lang="en-US" sz="2800" i="1" dirty="0">
+                <a:solidFill>
+                  <a:srgbClr val="0070C0"/>
+                </a:solidFill>
+                <a:sym typeface="Wingdings" pitchFamily="2" charset="2"/>
+              </a:rPr>
+              <a:t>{Beer}</a:t>
+            </a:r>
+          </a:p>
+          <a:p>
+            <a:pPr marL="914400" lvl="1" indent="-457200">
+              <a:buFontTx/>
+              <a:buChar char="-"/>
+            </a:pPr>
+            <a:endParaRPr lang="en-US" sz="1200" dirty="0">
+              <a:sym typeface="Wingdings" pitchFamily="2" charset="2"/>
+            </a:endParaRPr>
+          </a:p>
+          <a:p>
+            <a:r>
+              <a:rPr lang="en-US" sz="2800" dirty="0">
+                <a:sym typeface="Wingdings" pitchFamily="2" charset="2"/>
+              </a:rPr>
+              <a:t>	meaning if </a:t>
+            </a:r>
+            <a:r>
+              <a:rPr lang="en-US" sz="2800" i="1" dirty="0">
                 <a:sym typeface="Wingdings" pitchFamily="2" charset="2"/>
               </a:rPr>
               <a:t>Milk</a:t>
             </a:r>
             <a:r>
-              <a:rPr lang="en-US" sz="2800" dirty="0" smtClean="0">
+              <a:rPr lang="en-US" sz="2800" dirty="0">
                 <a:sym typeface="Wingdings" pitchFamily="2" charset="2"/>
               </a:rPr>
               <a:t> and </a:t>
             </a:r>
             <a:r>
-              <a:rPr lang="en-US" sz="2800" i="1" dirty="0" smtClean="0">
+              <a:rPr lang="en-US" sz="2800" i="1" dirty="0">
                 <a:sym typeface="Wingdings" pitchFamily="2" charset="2"/>
               </a:rPr>
               <a:t>Diaper </a:t>
             </a:r>
             <a:r>
-              <a:rPr lang="en-US" sz="2800" dirty="0" smtClean="0">
+              <a:rPr lang="en-US" sz="2800" dirty="0">
                 <a:sym typeface="Wingdings" pitchFamily="2" charset="2"/>
               </a:rPr>
               <a:t>are purchased, </a:t>
             </a:r>
             <a:r>
-              <a:rPr lang="en-US" sz="2800" i="1" dirty="0" smtClean="0">
+              <a:rPr lang="en-US" sz="2800" i="1" dirty="0">
                 <a:sym typeface="Wingdings" pitchFamily="2" charset="2"/>
               </a:rPr>
               <a:t>Beer </a:t>
             </a:r>
             <a:r>
-              <a:rPr lang="en-US" sz="2800" dirty="0" smtClean="0">
+              <a:rPr lang="en-US" sz="2800" dirty="0">
                 <a:sym typeface="Wingdings" pitchFamily="2" charset="2"/>
               </a:rPr>
               <a:t>is also likely to 	be purchased</a:t>
@@ -4622,7 +4596,7 @@
             <a:endParaRPr lang="en-US" sz="2800" dirty="0"/>
           </a:p>
           <a:p>
-            <a:endParaRPr lang="en-US" sz="1400" b="1" dirty="0" smtClean="0"/>
+            <a:endParaRPr lang="en-US" sz="1400" b="1" dirty="0"/>
           </a:p>
         </p:txBody>
       </p:sp>
@@ -4636,13 +4610,6 @@
   <p:clrMapOvr>
     <a:masterClrMapping/>
   </p:clrMapOvr>
-  <p:timing>
-    <p:tnLst>
-      <p:par>
-        <p:cTn id="1" dur="indefinite" restart="never" nodeType="tmRoot"/>
-      </p:par>
-    </p:tnLst>
-  </p:timing>
 </p:sld>
 </file>
 
@@ -4687,10 +4654,9 @@
           <a:p>
             <a:pPr algn="ctr"/>
             <a:r>
-              <a:rPr lang="en-US" sz="6000" b="1" dirty="0" smtClean="0"/>
+              <a:rPr lang="en-US" sz="6000" b="1" dirty="0"/>
               <a:t>Metrics for Rule Evaluation</a:t>
             </a:r>
-            <a:endParaRPr lang="en-US" sz="6000" b="1" dirty="0"/>
           </a:p>
         </p:txBody>
       </p:sp>
@@ -4704,13 +4670,6 @@
   <p:clrMapOvr>
     <a:masterClrMapping/>
   </p:clrMapOvr>
-  <p:timing>
-    <p:tnLst>
-      <p:par>
-        <p:cTn id="1" dur="indefinite" restart="never" nodeType="tmRoot"/>
-      </p:par>
-    </p:tnLst>
-  </p:timing>
 </p:sld>
 </file>
 
@@ -4818,10 +4777,9 @@
           <a:lstStyle/>
           <a:p>
             <a:r>
-              <a:rPr lang="en-US" sz="4400" b="1" dirty="0" smtClean="0"/>
+              <a:rPr lang="en-US" sz="4400" b="1" dirty="0"/>
               <a:t>Support (s)</a:t>
             </a:r>
-            <a:endParaRPr lang="en-US" sz="4400" b="1" dirty="0"/>
           </a:p>
           <a:p>
             <a:endParaRPr lang="en-US" sz="1400" b="1" dirty="0"/>
@@ -4832,34 +4790,34 @@
               <a:buChar char="-"/>
             </a:pPr>
             <a:r>
-              <a:rPr lang="en-US" sz="2800" dirty="0" smtClean="0"/>
+              <a:rPr lang="en-US" sz="2800" dirty="0"/>
               <a:t>How often </a:t>
             </a:r>
             <a:r>
-              <a:rPr lang="en-US" sz="2800" b="1" i="1" dirty="0" smtClean="0"/>
+              <a:rPr lang="en-US" sz="2800" b="1" i="1" dirty="0"/>
               <a:t>X</a:t>
             </a:r>
             <a:r>
-              <a:rPr lang="en-US" sz="2800" dirty="0" smtClean="0"/>
+              <a:rPr lang="en-US" sz="2800" dirty="0"/>
               <a:t> and </a:t>
             </a:r>
             <a:r>
-              <a:rPr lang="en-US" sz="2800" b="1" i="1" dirty="0" smtClean="0"/>
+              <a:rPr lang="en-US" sz="2800" b="1" i="1" dirty="0"/>
               <a:t>Y</a:t>
             </a:r>
             <a:r>
-              <a:rPr lang="en-US" sz="2800" dirty="0" smtClean="0"/>
+              <a:rPr lang="en-US" sz="2800" dirty="0"/>
               <a:t> occur together, the probability of both </a:t>
             </a:r>
             <a:r>
-              <a:rPr lang="en-US" sz="2800" dirty="0" err="1" smtClean="0"/>
+              <a:rPr lang="en-US" sz="2800" dirty="0" err="1"/>
               <a:t>itemsets</a:t>
             </a:r>
             <a:r>
-              <a:rPr lang="en-US" sz="2800" dirty="0" smtClean="0"/>
+              <a:rPr lang="en-US" sz="2800" dirty="0"/>
               <a:t> appearing in the same transactions</a:t>
             </a:r>
-            <a:endParaRPr lang="en-US" sz="2800" dirty="0" smtClean="0">
+            <a:endParaRPr lang="en-US" sz="2800" dirty="0">
               <a:sym typeface="Wingdings" pitchFamily="2" charset="2"/>
             </a:endParaRPr>
           </a:p>
@@ -4888,13 +4846,13 @@
           <a:lstStyle/>
           <a:p>
             <a:r>
-              <a:rPr lang="en-US" sz="2400" dirty="0" smtClean="0">
+              <a:rPr lang="en-US" sz="2400" dirty="0">
                 <a:sym typeface="Wingdings" pitchFamily="2" charset="2"/>
               </a:rPr>
               <a:t>Support for </a:t>
             </a:r>
             <a:r>
-              <a:rPr lang="en-US" sz="2400" i="1" dirty="0" smtClean="0">
+              <a:rPr lang="en-US" sz="2400" i="1" dirty="0">
                 <a:solidFill>
                   <a:srgbClr val="C00000"/>
                 </a:solidFill>
@@ -4913,13 +4871,13 @@
           </a:p>
           <a:p>
             <a:r>
-              <a:rPr lang="en-US" sz="2400" b="1" i="1" dirty="0" smtClean="0">
+              <a:rPr lang="en-US" sz="2400" b="1" i="1" dirty="0">
                 <a:sym typeface="Wingdings" pitchFamily="2" charset="2"/>
               </a:rPr>
               <a:t>Support </a:t>
             </a:r>
             <a:r>
-              <a:rPr lang="en-US" sz="2400" i="1" dirty="0" smtClean="0">
+              <a:rPr lang="en-US" sz="2400" i="1" dirty="0">
                 <a:solidFill>
                   <a:srgbClr val="C00000"/>
                 </a:solidFill>
@@ -4928,13 +4886,13 @@
               <a:t>= {</a:t>
             </a:r>
             <a:r>
-              <a:rPr lang="en-US" sz="2400" i="1" dirty="0" smtClean="0">
+              <a:rPr lang="en-US" sz="2400" i="1" dirty="0">
                 <a:sym typeface="Wingdings" pitchFamily="2" charset="2"/>
               </a:rPr>
               <a:t>Number of transactions containing </a:t>
             </a:r>
             <a:r>
-              <a:rPr lang="en-US" sz="2400" i="1" dirty="0" smtClean="0">
+              <a:rPr lang="en-US" sz="2400" i="1" dirty="0">
                 <a:solidFill>
                   <a:srgbClr val="C00000"/>
                 </a:solidFill>
@@ -4943,13 +4901,13 @@
               <a:t>{Milk, Diaper, Beer} / (</a:t>
             </a:r>
             <a:r>
-              <a:rPr lang="en-US" sz="2400" i="1" dirty="0" smtClean="0">
+              <a:rPr lang="en-US" sz="2400" i="1" dirty="0">
                 <a:sym typeface="Wingdings" pitchFamily="2" charset="2"/>
               </a:rPr>
               <a:t>Total Transactions</a:t>
             </a:r>
             <a:r>
-              <a:rPr lang="en-US" sz="2400" i="1" dirty="0" smtClean="0">
+              <a:rPr lang="en-US" sz="2400" i="1" dirty="0">
                 <a:solidFill>
                   <a:srgbClr val="C00000"/>
                 </a:solidFill>
@@ -4968,13 +4926,13 @@
           </a:p>
           <a:p>
             <a:r>
-              <a:rPr lang="en-US" sz="2400" i="1" dirty="0" smtClean="0">
+              <a:rPr lang="en-US" sz="2400" i="1" dirty="0">
                 <a:sym typeface="Wingdings" pitchFamily="2" charset="2"/>
               </a:rPr>
               <a:t>From the table, 2 / 5</a:t>
             </a:r>
             <a:r>
-              <a:rPr lang="en-US" sz="2400" i="1" dirty="0" smtClean="0">
+              <a:rPr lang="en-US" sz="2400" i="1" dirty="0">
                 <a:solidFill>
                   <a:srgbClr val="C00000"/>
                 </a:solidFill>
@@ -4983,13 +4941,13 @@
               <a:t> </a:t>
             </a:r>
             <a:r>
-              <a:rPr lang="en-US" sz="2400" i="1" dirty="0" smtClean="0">
+              <a:rPr lang="en-US" sz="2400" i="1" dirty="0">
                 <a:sym typeface="Wingdings" pitchFamily="2" charset="2"/>
               </a:rPr>
               <a:t>=</a:t>
             </a:r>
             <a:r>
-              <a:rPr lang="en-US" sz="2400" i="1" dirty="0" smtClean="0">
+              <a:rPr lang="en-US" sz="2400" i="1" dirty="0">
                 <a:solidFill>
                   <a:srgbClr val="C00000"/>
                 </a:solidFill>
@@ -4998,7 +4956,7 @@
               <a:t> </a:t>
             </a:r>
             <a:r>
-              <a:rPr lang="en-US" sz="2400" b="1" i="1" dirty="0" smtClean="0">
+              <a:rPr lang="en-US" sz="2400" b="1" i="1" dirty="0">
                 <a:sym typeface="Wingdings" pitchFamily="2" charset="2"/>
               </a:rPr>
               <a:t>0.4</a:t>
@@ -5108,13 +5066,6 @@
   <p:clrMapOvr>
     <a:masterClrMapping/>
   </p:clrMapOvr>
-  <p:timing>
-    <p:tnLst>
-      <p:par>
-        <p:cTn id="1" dur="indefinite" restart="never" nodeType="tmRoot"/>
-      </p:par>
-    </p:tnLst>
-  </p:timing>
 </p:sld>
 </file>
 
@@ -5158,12 +5109,12 @@
           <a:lstStyle/>
           <a:p>
             <a:r>
-              <a:rPr lang="en-US" sz="4400" b="1" dirty="0" smtClean="0"/>
+              <a:rPr lang="en-US" sz="4400" b="1" dirty="0"/>
               <a:t>Confidence</a:t>
             </a:r>
           </a:p>
           <a:p>
-            <a:endParaRPr lang="en-US" sz="1400" b="1" dirty="0" smtClean="0"/>
+            <a:endParaRPr lang="en-US" sz="1400" b="1" dirty="0"/>
           </a:p>
           <a:p>
             <a:pPr marL="914400" lvl="1" indent="-457200">
@@ -5171,11 +5122,11 @@
               <a:buChar char="-"/>
             </a:pPr>
             <a:r>
-              <a:rPr lang="en-US" sz="2800" dirty="0" smtClean="0"/>
+              <a:rPr lang="en-US" sz="2800" dirty="0"/>
               <a:t>Confidence for the rule </a:t>
             </a:r>
             <a:r>
-              <a:rPr lang="en-US" sz="2800" i="1" dirty="0" smtClean="0">
+              <a:rPr lang="en-US" sz="2800" i="1" dirty="0">
                 <a:solidFill>
                   <a:srgbClr val="C00000"/>
                 </a:solidFill>
@@ -5183,13 +5134,13 @@
               <a:t>{Milk, Diaper} </a:t>
             </a:r>
             <a:r>
-              <a:rPr lang="en-US" sz="2800" dirty="0" smtClean="0">
+              <a:rPr lang="en-US" sz="2800" dirty="0">
                 <a:sym typeface="Wingdings" pitchFamily="2" charset="2"/>
               </a:rPr>
               <a:t> </a:t>
             </a:r>
             <a:r>
-              <a:rPr lang="en-US" sz="2800" i="1" dirty="0" smtClean="0">
+              <a:rPr lang="en-US" sz="2800" i="1" dirty="0">
                 <a:solidFill>
                   <a:srgbClr val="C00000"/>
                 </a:solidFill>
@@ -5200,8 +5151,8 @@
           </a:p>
         </p:txBody>
       </p:sp>
-      <mc:AlternateContent xmlns:mc="http://schemas.openxmlformats.org/markup-compatibility/2006" xmlns:a14="http://schemas.microsoft.com/office/drawing/2010/main">
-        <mc:Choice Requires="a14">
+      <mc:AlternateContent xmlns:mc="http://schemas.openxmlformats.org/markup-compatibility/2006">
+        <mc:Choice xmlns:a14="http://schemas.microsoft.com/office/drawing/2010/main" Requires="a14">
           <p:sp>
             <p:nvSpPr>
               <p:cNvPr id="5" name="TextBox 4"/>
@@ -5210,8 +5161,8 @@
             </p:nvSpPr>
             <p:spPr>
               <a:xfrm>
-                <a:off x="492414" y="2836939"/>
-                <a:ext cx="10912880" cy="858055"/>
+                <a:off x="465781" y="2836939"/>
+                <a:ext cx="10912880" cy="874598"/>
               </a:xfrm>
               <a:prstGeom prst="rect">
                 <a:avLst/>
@@ -5243,7 +5194,7 @@
                           <a:latin typeface="Cambria Math"/>
                           <a:sym typeface="Wingdings" pitchFamily="2" charset="2"/>
                         </a:rPr>
-                        <m:t>(</m:t>
+                        <m:t>({</m:t>
                       </m:r>
                       <m:r>
                         <a:rPr lang="en-US" sz="2400" b="0" i="1" smtClean="0">
@@ -5268,10 +5219,10 @@
                       </m:r>
                       <m:r>
                         <a:rPr lang="en-US" sz="2400" b="0" i="1" smtClean="0">
-                          <a:latin typeface="Cambria Math"/>
+                          <a:latin typeface="Cambria Math" panose="02040503050406030204" pitchFamily="18" charset="0"/>
                           <a:sym typeface="Wingdings" pitchFamily="2" charset="2"/>
                         </a:rPr>
-                        <m:t>→</m:t>
+                        <m:t>}→{</m:t>
                       </m:r>
                       <m:r>
                         <a:rPr lang="en-US" sz="2400" b="0" i="1" smtClean="0">
@@ -5279,6 +5230,13 @@
                           <a:sym typeface="Wingdings" pitchFamily="2" charset="2"/>
                         </a:rPr>
                         <m:t>𝐵𝑒𝑒𝑟</m:t>
+                      </m:r>
+                      <m:r>
+                        <a:rPr lang="en-US" sz="2400" b="0" i="1" smtClean="0">
+                          <a:latin typeface="Cambria Math" panose="02040503050406030204" pitchFamily="18" charset="0"/>
+                          <a:sym typeface="Wingdings" pitchFamily="2" charset="2"/>
+                        </a:rPr>
+                        <m:t>}</m:t>
                       </m:r>
                       <m:r>
                         <a:rPr lang="en-US" sz="2400" b="0" i="1" smtClean="0">
@@ -5291,7 +5249,7 @@
                         <m:fPr>
                           <m:ctrlPr>
                             <a:rPr lang="en-US" sz="2400" i="1" smtClean="0">
-                              <a:latin typeface="Cambria Math"/>
+                              <a:latin typeface="Cambria Math" panose="02040503050406030204" pitchFamily="18" charset="0"/>
                               <a:sym typeface="Wingdings" pitchFamily="2" charset="2"/>
                             </a:rPr>
                           </m:ctrlPr>
@@ -5304,54 +5262,62 @@
                             </a:rPr>
                             <m:t>𝑆𝑢𝑝𝑝𝑜𝑟𝑡</m:t>
                           </m:r>
+                          <m:d>
+                            <m:dPr>
+                              <m:ctrlPr>
+                                <a:rPr lang="en-US" sz="2400" b="0" i="1" smtClean="0">
+                                  <a:latin typeface="Cambria Math"/>
+                                  <a:sym typeface="Wingdings" pitchFamily="2" charset="2"/>
+                                </a:rPr>
+                              </m:ctrlPr>
+                            </m:dPr>
+                            <m:e>
+                              <m:r>
+                                <a:rPr lang="en-US" sz="2400" b="0" i="1" smtClean="0">
+                                  <a:latin typeface="Cambria Math"/>
+                                  <a:sym typeface="Wingdings" pitchFamily="2" charset="2"/>
+                                </a:rPr>
+                                <m:t>𝑀𝑖𝑙𝑘</m:t>
+                              </m:r>
+                              <m:r>
+                                <a:rPr lang="en-US" sz="2400" b="0" i="1" smtClean="0">
+                                  <a:latin typeface="Cambria Math"/>
+                                  <a:sym typeface="Wingdings" pitchFamily="2" charset="2"/>
+                                </a:rPr>
+                                <m:t>, </m:t>
+                              </m:r>
+                              <m:r>
+                                <a:rPr lang="en-US" sz="2400" b="0" i="1" smtClean="0">
+                                  <a:latin typeface="Cambria Math"/>
+                                  <a:sym typeface="Wingdings" pitchFamily="2" charset="2"/>
+                                </a:rPr>
+                                <m:t>𝐷𝑖𝑎𝑝𝑒𝑟</m:t>
+                              </m:r>
+                              <m:r>
+                                <a:rPr lang="en-US" sz="2400" b="0" i="1" smtClean="0">
+                                  <a:latin typeface="Cambria Math"/>
+                                  <a:sym typeface="Wingdings" pitchFamily="2" charset="2"/>
+                                </a:rPr>
+                                <m:t>, </m:t>
+                              </m:r>
+                              <m:r>
+                                <a:rPr lang="en-US" sz="2400" b="0" i="1" smtClean="0">
+                                  <a:latin typeface="Cambria Math"/>
+                                  <a:sym typeface="Wingdings" pitchFamily="2" charset="2"/>
+                                </a:rPr>
+                                <m:t>𝐵𝑒𝑒𝑟</m:t>
+                              </m:r>
+                            </m:e>
+                          </m:d>
                           <m:r>
                             <a:rPr lang="en-US" sz="2400" b="0" i="1" smtClean="0">
-                              <a:latin typeface="Cambria Math"/>
+                              <a:solidFill>
+                                <a:srgbClr val="FF0000"/>
+                              </a:solidFill>
+                              <a:latin typeface="Cambria Math" panose="02040503050406030204" pitchFamily="18" charset="0"/>
                               <a:sym typeface="Wingdings" pitchFamily="2" charset="2"/>
                             </a:rPr>
-                            <m:t>(</m:t>
-                          </m:r>
-                          <m:r>
-                            <a:rPr lang="en-US" sz="2400" b="0" i="1" smtClean="0">
-                              <a:latin typeface="Cambria Math"/>
-                              <a:sym typeface="Wingdings" pitchFamily="2" charset="2"/>
-                            </a:rPr>
-                            <m:t>𝑀𝑖𝑙𝑘</m:t>
-                          </m:r>
-                          <m:r>
-                            <a:rPr lang="en-US" sz="2400" b="0" i="1" smtClean="0">
-                              <a:latin typeface="Cambria Math"/>
-                              <a:sym typeface="Wingdings" pitchFamily="2" charset="2"/>
-                            </a:rPr>
-                            <m:t>, </m:t>
-                          </m:r>
-                          <m:r>
-                            <a:rPr lang="en-US" sz="2400" b="0" i="1" smtClean="0">
-                              <a:latin typeface="Cambria Math"/>
-                              <a:sym typeface="Wingdings" pitchFamily="2" charset="2"/>
-                            </a:rPr>
-                            <m:t>𝐷𝑖𝑎𝑝𝑒𝑟</m:t>
-                          </m:r>
-                          <m:r>
-                            <a:rPr lang="en-US" sz="2400" b="0" i="1" smtClean="0">
-                              <a:latin typeface="Cambria Math"/>
-                              <a:sym typeface="Wingdings" pitchFamily="2" charset="2"/>
-                            </a:rPr>
-                            <m:t>, </m:t>
-                          </m:r>
-                          <m:r>
-                            <a:rPr lang="en-US" sz="2400" b="0" i="1" smtClean="0">
-                              <a:latin typeface="Cambria Math"/>
-                              <a:sym typeface="Wingdings" pitchFamily="2" charset="2"/>
-                            </a:rPr>
-                            <m:t>𝐵𝑒𝑒𝑟</m:t>
-                          </m:r>
-                          <m:r>
-                            <a:rPr lang="en-US" sz="2400" b="0" i="1" smtClean="0">
-                              <a:latin typeface="Cambria Math"/>
-                              <a:sym typeface="Wingdings" pitchFamily="2" charset="2"/>
-                            </a:rPr>
-                            <m:t>)</m:t>
+                            <m:t>=(0.4)</m:t>
                           </m:r>
                         </m:num>
                         <m:den>
@@ -5362,40 +5328,48 @@
                             </a:rPr>
                             <m:t>𝑆𝑢𝑝𝑝𝑜𝑟𝑡</m:t>
                           </m:r>
+                          <m:d>
+                            <m:dPr>
+                              <m:ctrlPr>
+                                <a:rPr lang="en-US" sz="2400" b="0" i="1" smtClean="0">
+                                  <a:latin typeface="Cambria Math"/>
+                                  <a:sym typeface="Wingdings" pitchFamily="2" charset="2"/>
+                                </a:rPr>
+                              </m:ctrlPr>
+                            </m:dPr>
+                            <m:e>
+                              <m:r>
+                                <a:rPr lang="en-US" sz="2400" b="0" i="1" smtClean="0">
+                                  <a:latin typeface="Cambria Math"/>
+                                  <a:sym typeface="Wingdings" pitchFamily="2" charset="2"/>
+                                </a:rPr>
+                                <m:t>𝑀𝑖𝑙𝑘</m:t>
+                              </m:r>
+                              <m:r>
+                                <a:rPr lang="en-US" sz="2400" b="0" i="1" smtClean="0">
+                                  <a:latin typeface="Cambria Math"/>
+                                  <a:sym typeface="Wingdings" pitchFamily="2" charset="2"/>
+                                </a:rPr>
+                                <m:t>, </m:t>
+                              </m:r>
+                              <m:r>
+                                <a:rPr lang="en-US" sz="2400" b="0" i="1" smtClean="0">
+                                  <a:latin typeface="Cambria Math"/>
+                                  <a:sym typeface="Wingdings" pitchFamily="2" charset="2"/>
+                                </a:rPr>
+                                <m:t>𝐷𝑖𝑎𝑝𝑒𝑟</m:t>
+                              </m:r>
+                            </m:e>
+                          </m:d>
                           <m:r>
                             <a:rPr lang="en-US" sz="2400" b="0" i="1" smtClean="0">
-                              <a:latin typeface="Cambria Math"/>
+                              <a:solidFill>
+                                <a:srgbClr val="FF0000"/>
+                              </a:solidFill>
+                              <a:latin typeface="Cambria Math" panose="02040503050406030204" pitchFamily="18" charset="0"/>
                               <a:sym typeface="Wingdings" pitchFamily="2" charset="2"/>
                             </a:rPr>
-                            <m:t>(</m:t>
-                          </m:r>
-                          <m:r>
-                            <a:rPr lang="en-US" sz="2400" b="0" i="1" smtClean="0">
-                              <a:latin typeface="Cambria Math"/>
-                              <a:sym typeface="Wingdings" pitchFamily="2" charset="2"/>
-                            </a:rPr>
-                            <m:t>𝑀𝑖𝑙𝑘</m:t>
-                          </m:r>
-                          <m:r>
-                            <a:rPr lang="en-US" sz="2400" b="0" i="1" smtClean="0">
-                              <a:latin typeface="Cambria Math"/>
-                              <a:sym typeface="Wingdings" pitchFamily="2" charset="2"/>
-                            </a:rPr>
-                            <m:t>, </m:t>
-                          </m:r>
-                          <m:r>
-                            <a:rPr lang="en-US" sz="2400" b="0" i="1" smtClean="0">
-                              <a:latin typeface="Cambria Math"/>
-                              <a:sym typeface="Wingdings" pitchFamily="2" charset="2"/>
-                            </a:rPr>
-                            <m:t>𝐷𝑖𝑎𝑝𝑒𝑟</m:t>
-                          </m:r>
-                          <m:r>
-                            <a:rPr lang="en-US" sz="2400" b="0" i="1" smtClean="0">
-                              <a:latin typeface="Cambria Math"/>
-                              <a:sym typeface="Wingdings" pitchFamily="2" charset="2"/>
-                            </a:rPr>
-                            <m:t>)</m:t>
+                            <m:t>=(0.6)</m:t>
                           </m:r>
                         </m:den>
                       </m:f>
@@ -5412,7 +5386,7 @@
             </p:txBody>
           </p:sp>
         </mc:Choice>
-        <mc:Fallback xmlns="">
+        <mc:Fallback>
           <p:sp>
             <p:nvSpPr>
               <p:cNvPr id="5" name="TextBox 4"/>
@@ -5423,13 +5397,13 @@
             </p:nvSpPr>
             <p:spPr>
               <a:xfrm>
-                <a:off x="492414" y="2836939"/>
-                <a:ext cx="10912880" cy="858055"/>
+                <a:off x="465781" y="2836939"/>
+                <a:ext cx="10912880" cy="874598"/>
               </a:xfrm>
               <a:prstGeom prst="rect">
                 <a:avLst/>
               </a:prstGeom>
-              <a:blipFill rotWithShape="1">
+              <a:blipFill>
                 <a:blip r:embed="rId2"/>
                 <a:stretch>
                   <a:fillRect/>
@@ -5474,23 +5448,23 @@
           <a:lstStyle/>
           <a:p>
             <a:r>
-              <a:rPr lang="en-US" sz="2000" dirty="0" smtClean="0"/>
+              <a:rPr lang="en-US" sz="2000" dirty="0"/>
               <a:t>Support</a:t>
             </a:r>
             <a:r>
-              <a:rPr lang="en-US" sz="2000" i="1" dirty="0" smtClean="0">
+              <a:rPr lang="en-US" sz="2000" i="1" dirty="0">
                 <a:solidFill>
                   <a:srgbClr val="C00000"/>
                 </a:solidFill>
               </a:rPr>
-              <a:t>({Milk, Diaper, Beer}) </a:t>
-            </a:r>
-            <a:r>
-              <a:rPr lang="en-US" sz="2000" dirty="0" smtClean="0"/>
+              <a:t>({Milk, Diaper}) </a:t>
+            </a:r>
+            <a:r>
+              <a:rPr lang="en-US" sz="2000" dirty="0"/>
               <a:t>is the number of transactions containing both </a:t>
             </a:r>
             <a:r>
-              <a:rPr lang="en-US" sz="2000" i="1" dirty="0" smtClean="0">
+              <a:rPr lang="en-US" sz="2000" i="1" dirty="0">
                 <a:solidFill>
                   <a:srgbClr val="C00000"/>
                 </a:solidFill>
@@ -5498,24 +5472,24 @@
               <a:t>Milk and Diaper</a:t>
             </a:r>
             <a:r>
-              <a:rPr lang="en-US" sz="2000" dirty="0" smtClean="0"/>
+              <a:rPr lang="en-US" sz="2000" dirty="0"/>
               <a:t>, which appears in 3 transactions (3, 4, 5), 3 / 5 = </a:t>
             </a:r>
             <a:r>
-              <a:rPr lang="en-US" sz="2000" b="1" dirty="0" smtClean="0"/>
+              <a:rPr lang="en-US" sz="2000" b="1" dirty="0"/>
               <a:t>0.6</a:t>
             </a:r>
           </a:p>
           <a:p>
-            <a:endParaRPr lang="en-US" sz="2000" b="1" dirty="0" smtClean="0"/>
-          </a:p>
-          <a:p>
-            <a:r>
-              <a:rPr lang="en-US" sz="2000" b="1" dirty="0" smtClean="0"/>
+            <a:endParaRPr lang="en-US" sz="2000" b="1" dirty="0"/>
+          </a:p>
+          <a:p>
+            <a:r>
+              <a:rPr lang="en-US" sz="2000" b="1" dirty="0"/>
               <a:t>Confidence = 0.4 / 0.6 = </a:t>
             </a:r>
             <a:r>
-              <a:rPr lang="en-US" sz="2000" b="1" dirty="0" smtClean="0">
+              <a:rPr lang="en-US" sz="2000" b="1" dirty="0">
                 <a:solidFill>
                   <a:srgbClr val="C00000"/>
                 </a:solidFill>
@@ -5527,7 +5501,7 @@
             <a:endParaRPr lang="en-US" sz="2000" b="1" dirty="0"/>
           </a:p>
           <a:p>
-            <a:endParaRPr lang="en-US" sz="1400" b="1" dirty="0" smtClean="0"/>
+            <a:endParaRPr lang="en-US" sz="1400" b="1" dirty="0"/>
           </a:p>
         </p:txBody>
       </p:sp>
@@ -5603,8 +5577,8 @@
         </p:nvSpPr>
         <p:spPr>
           <a:xfrm>
-            <a:off x="8700994" y="2283711"/>
-            <a:ext cx="1693737" cy="278525"/>
+            <a:off x="9294774" y="2283711"/>
+            <a:ext cx="1099957" cy="278850"/>
           </a:xfrm>
           <a:prstGeom prst="rect">
             <a:avLst/>
@@ -5649,8 +5623,8 @@
         </p:nvSpPr>
         <p:spPr>
           <a:xfrm>
-            <a:off x="8700993" y="2005186"/>
-            <a:ext cx="1693737" cy="278525"/>
+            <a:off x="9294774" y="2005187"/>
+            <a:ext cx="1099956" cy="274378"/>
           </a:xfrm>
           <a:prstGeom prst="rect">
             <a:avLst/>
@@ -5695,8 +5669,8 @@
         </p:nvSpPr>
         <p:spPr>
           <a:xfrm>
-            <a:off x="8700992" y="1726999"/>
-            <a:ext cx="1693737" cy="278525"/>
+            <a:off x="8700993" y="1726999"/>
+            <a:ext cx="1099956" cy="278187"/>
           </a:xfrm>
           <a:prstGeom prst="rect">
             <a:avLst/>
@@ -5743,13 +5717,6 @@
   <p:clrMapOvr>
     <a:masterClrMapping/>
   </p:clrMapOvr>
-  <p:timing>
-    <p:tnLst>
-      <p:par>
-        <p:cTn id="1" dur="indefinite" restart="never" nodeType="tmRoot"/>
-      </p:par>
-    </p:tnLst>
-  </p:timing>
 </p:sld>
 </file>
 
@@ -5793,12 +5760,12 @@
           <a:lstStyle/>
           <a:p>
             <a:r>
-              <a:rPr lang="en-US" sz="4400" b="1" dirty="0" smtClean="0"/>
+              <a:rPr lang="en-US" sz="4400" b="1" dirty="0"/>
               <a:t>Lift</a:t>
             </a:r>
           </a:p>
           <a:p>
-            <a:endParaRPr lang="en-US" sz="1400" b="1" dirty="0" smtClean="0"/>
+            <a:endParaRPr lang="en-US" sz="1400" b="1" dirty="0"/>
           </a:p>
           <a:p>
             <a:pPr marL="914400" lvl="1" indent="-457200">
@@ -5806,7 +5773,7 @@
               <a:buChar char="-"/>
             </a:pPr>
             <a:r>
-              <a:rPr lang="en-US" sz="2400" dirty="0" smtClean="0">
+              <a:rPr lang="en-US" sz="2400" dirty="0">
                 <a:sym typeface="Wingdings" pitchFamily="2" charset="2"/>
               </a:rPr>
               <a:t>Measures how much likely it is to see:</a:t>
@@ -5817,7 +5784,7 @@
               <a:buFontTx/>
               <a:buChar char="-"/>
             </a:pPr>
-            <a:endParaRPr lang="en-US" sz="1200" dirty="0" smtClean="0">
+            <a:endParaRPr lang="en-US" sz="1200" dirty="0">
               <a:sym typeface="Wingdings" pitchFamily="2" charset="2"/>
             </a:endParaRPr>
           </a:p>
@@ -5830,7 +5797,7 @@
               <a:t>	</a:t>
             </a:r>
             <a:r>
-              <a:rPr lang="en-US" sz="2400" i="1" dirty="0" smtClean="0">
+              <a:rPr lang="en-US" sz="2400" i="1" dirty="0">
                 <a:solidFill>
                   <a:srgbClr val="C00000"/>
                 </a:solidFill>
@@ -5839,13 +5806,13 @@
               <a:t>{Beer} </a:t>
             </a:r>
             <a:r>
-              <a:rPr lang="en-US" sz="2400" dirty="0" smtClean="0">
+              <a:rPr lang="en-US" sz="2400" dirty="0">
                 <a:sym typeface="Wingdings" pitchFamily="2" charset="2"/>
               </a:rPr>
               <a:t>with </a:t>
             </a:r>
             <a:r>
-              <a:rPr lang="en-US" sz="2400" i="1" dirty="0" smtClean="0">
+              <a:rPr lang="en-US" sz="2400" i="1" dirty="0">
                 <a:solidFill>
                   <a:srgbClr val="C00000"/>
                 </a:solidFill>
@@ -5854,7 +5821,7 @@
               <a:t>{Milk, Diaper} </a:t>
             </a:r>
             <a:r>
-              <a:rPr lang="en-US" sz="2400" dirty="0" smtClean="0">
+              <a:rPr lang="en-US" sz="2400" dirty="0">
                 <a:sym typeface="Wingdings" pitchFamily="2" charset="2"/>
               </a:rPr>
               <a:t>than it would be to see</a:t>
@@ -5869,7 +5836,7 @@
               <a:t>	</a:t>
             </a:r>
             <a:r>
-              <a:rPr lang="en-US" sz="2400" i="1" dirty="0" smtClean="0">
+              <a:rPr lang="en-US" sz="2400" i="1" dirty="0">
                 <a:solidFill>
                   <a:srgbClr val="C00000"/>
                 </a:solidFill>
@@ -5878,7 +5845,7 @@
               <a:t>{Beer} </a:t>
             </a:r>
             <a:r>
-              <a:rPr lang="en-US" sz="2400" dirty="0" smtClean="0">
+              <a:rPr lang="en-US" sz="2400" dirty="0">
                 <a:sym typeface="Wingdings" pitchFamily="2" charset="2"/>
               </a:rPr>
               <a:t>itself.</a:t>
@@ -5977,7 +5944,7 @@
                         <m:fPr>
                           <m:ctrlPr>
                             <a:rPr lang="en-US" sz="2400" i="1" smtClean="0">
-                              <a:latin typeface="Cambria Math"/>
+                              <a:latin typeface="Cambria Math" panose="02040503050406030204" pitchFamily="18" charset="0"/>
                               <a:sym typeface="Wingdings" pitchFamily="2" charset="2"/>
                             </a:rPr>
                           </m:ctrlPr>
@@ -6052,7 +6019,7 @@
                             <m:dPr>
                               <m:ctrlPr>
                                 <a:rPr lang="en-US" sz="2400" b="0" i="1" smtClean="0">
-                                  <a:latin typeface="Cambria Math"/>
+                                  <a:latin typeface="Cambria Math" panose="02040503050406030204" pitchFamily="18" charset="0"/>
                                   <a:sym typeface="Wingdings" pitchFamily="2" charset="2"/>
                                 </a:rPr>
                               </m:ctrlPr>
@@ -6194,7 +6161,7 @@
           <a:p>
             <a:pPr algn="ctr"/>
             <a:r>
-              <a:rPr lang="en-US" sz="2000" b="1" dirty="0" smtClean="0">
+              <a:rPr lang="en-US" sz="2000" b="1" dirty="0">
                 <a:solidFill>
                   <a:srgbClr val="C00000"/>
                 </a:solidFill>
@@ -6278,13 +6245,6 @@
   <p:clrMapOvr>
     <a:masterClrMapping/>
   </p:clrMapOvr>
-  <p:timing>
-    <p:tnLst>
-      <p:par>
-        <p:cTn id="1" dur="indefinite" restart="never" nodeType="tmRoot"/>
-      </p:par>
-    </p:tnLst>
-  </p:timing>
 </p:sld>
 </file>
 
@@ -6328,12 +6288,12 @@
           <a:lstStyle/>
           <a:p>
             <a:r>
-              <a:rPr lang="en-US" sz="4400" b="1" dirty="0" smtClean="0"/>
+              <a:rPr lang="en-US" sz="4400" b="1" dirty="0"/>
               <a:t>Lift</a:t>
             </a:r>
           </a:p>
           <a:p>
-            <a:endParaRPr lang="en-US" sz="1400" b="1" dirty="0" smtClean="0"/>
+            <a:endParaRPr lang="en-US" sz="1400" b="1" dirty="0"/>
           </a:p>
           <a:p>
             <a:pPr marL="914400" lvl="1" indent="-457200">
@@ -6341,7 +6301,7 @@
               <a:buChar char="-"/>
             </a:pPr>
             <a:r>
-              <a:rPr lang="en-US" sz="2400" dirty="0" smtClean="0">
+              <a:rPr lang="en-US" sz="2400" dirty="0">
                 <a:sym typeface="Wingdings" pitchFamily="2" charset="2"/>
               </a:rPr>
               <a:t>Measures how much likely it is to see:</a:t>
@@ -6352,7 +6312,7 @@
               <a:buFontTx/>
               <a:buChar char="-"/>
             </a:pPr>
-            <a:endParaRPr lang="en-US" sz="1200" dirty="0" smtClean="0">
+            <a:endParaRPr lang="en-US" sz="1200" dirty="0">
               <a:sym typeface="Wingdings" pitchFamily="2" charset="2"/>
             </a:endParaRPr>
           </a:p>
@@ -6365,7 +6325,7 @@
               <a:t>	</a:t>
             </a:r>
             <a:r>
-              <a:rPr lang="en-US" sz="2400" i="1" dirty="0" smtClean="0">
+              <a:rPr lang="en-US" sz="2400" i="1" dirty="0">
                 <a:solidFill>
                   <a:srgbClr val="C00000"/>
                 </a:solidFill>
@@ -6374,13 +6334,13 @@
               <a:t>{Beer} </a:t>
             </a:r>
             <a:r>
-              <a:rPr lang="en-US" sz="2400" dirty="0" smtClean="0">
+              <a:rPr lang="en-US" sz="2400" dirty="0">
                 <a:sym typeface="Wingdings" pitchFamily="2" charset="2"/>
               </a:rPr>
               <a:t>with </a:t>
             </a:r>
             <a:r>
-              <a:rPr lang="en-US" sz="2400" i="1" dirty="0" smtClean="0">
+              <a:rPr lang="en-US" sz="2400" i="1" dirty="0">
                 <a:solidFill>
                   <a:srgbClr val="C00000"/>
                 </a:solidFill>
@@ -6389,7 +6349,7 @@
               <a:t>{Milk, Diaper} </a:t>
             </a:r>
             <a:r>
-              <a:rPr lang="en-US" sz="2400" dirty="0" smtClean="0">
+              <a:rPr lang="en-US" sz="2400" dirty="0">
                 <a:sym typeface="Wingdings" pitchFamily="2" charset="2"/>
               </a:rPr>
               <a:t>than it would be to see</a:t>
@@ -6404,7 +6364,7 @@
               <a:t>	</a:t>
             </a:r>
             <a:r>
-              <a:rPr lang="en-US" sz="2400" i="1" dirty="0" smtClean="0">
+              <a:rPr lang="en-US" sz="2400" i="1" dirty="0">
                 <a:solidFill>
                   <a:srgbClr val="C00000"/>
                 </a:solidFill>
@@ -6413,7 +6373,7 @@
               <a:t>{Beer} </a:t>
             </a:r>
             <a:r>
-              <a:rPr lang="en-US" sz="2400" dirty="0" smtClean="0">
+              <a:rPr lang="en-US" sz="2400" dirty="0">
                 <a:sym typeface="Wingdings" pitchFamily="2" charset="2"/>
               </a:rPr>
               <a:t>itself.</a:t>
@@ -6512,7 +6472,7 @@
                         <m:fPr>
                           <m:ctrlPr>
                             <a:rPr lang="en-US" sz="2400" i="1" smtClean="0">
-                              <a:latin typeface="Cambria Math"/>
+                              <a:latin typeface="Cambria Math" panose="02040503050406030204" pitchFamily="18" charset="0"/>
                               <a:sym typeface="Wingdings" pitchFamily="2" charset="2"/>
                             </a:rPr>
                           </m:ctrlPr>
@@ -6587,7 +6547,7 @@
                             <m:dPr>
                               <m:ctrlPr>
                                 <a:rPr lang="en-US" sz="2400" b="0" i="1" smtClean="0">
-                                  <a:latin typeface="Cambria Math"/>
+                                  <a:latin typeface="Cambria Math" panose="02040503050406030204" pitchFamily="18" charset="0"/>
                                   <a:sym typeface="Wingdings" pitchFamily="2" charset="2"/>
                                 </a:rPr>
                               </m:ctrlPr>
@@ -6729,7 +6689,7 @@
           <a:p>
             <a:pPr algn="ctr"/>
             <a:r>
-              <a:rPr lang="en-US" sz="2000" b="1" dirty="0" smtClean="0">
+              <a:rPr lang="en-US" sz="2000" b="1" dirty="0">
                 <a:solidFill>
                   <a:srgbClr val="C00000"/>
                 </a:solidFill>
@@ -6813,13 +6773,6 @@
   <p:clrMapOvr>
     <a:masterClrMapping/>
   </p:clrMapOvr>
-  <p:timing>
-    <p:tnLst>
-      <p:par>
-        <p:cTn id="1" dur="indefinite" restart="never" nodeType="tmRoot"/>
-      </p:par>
-    </p:tnLst>
-  </p:timing>
 </p:sld>
 </file>
 
@@ -6863,12 +6816,12 @@
           <a:lstStyle/>
           <a:p>
             <a:r>
-              <a:rPr lang="en-US" sz="4400" b="1" dirty="0" smtClean="0"/>
+              <a:rPr lang="en-US" sz="4400" b="1" dirty="0"/>
               <a:t>Lift</a:t>
             </a:r>
           </a:p>
           <a:p>
-            <a:endParaRPr lang="en-US" sz="1400" b="1" dirty="0" smtClean="0"/>
+            <a:endParaRPr lang="en-US" sz="1400" b="1" dirty="0"/>
           </a:p>
           <a:p>
             <a:pPr marL="914400" lvl="1" indent="-457200">
@@ -6876,7 +6829,7 @@
               <a:buChar char="-"/>
             </a:pPr>
             <a:r>
-              <a:rPr lang="en-US" sz="2400" dirty="0" smtClean="0">
+              <a:rPr lang="en-US" sz="2400" dirty="0">
                 <a:sym typeface="Wingdings" pitchFamily="2" charset="2"/>
               </a:rPr>
               <a:t>Measures how much likely it is to see:</a:t>
@@ -6887,7 +6840,7 @@
               <a:buFontTx/>
               <a:buChar char="-"/>
             </a:pPr>
-            <a:endParaRPr lang="en-US" sz="1200" dirty="0" smtClean="0">
+            <a:endParaRPr lang="en-US" sz="1200" dirty="0">
               <a:sym typeface="Wingdings" pitchFamily="2" charset="2"/>
             </a:endParaRPr>
           </a:p>
@@ -6900,7 +6853,7 @@
               <a:t>	</a:t>
             </a:r>
             <a:r>
-              <a:rPr lang="en-US" sz="2400" i="1" dirty="0" smtClean="0">
+              <a:rPr lang="en-US" sz="2400" i="1" dirty="0">
                 <a:solidFill>
                   <a:srgbClr val="C00000"/>
                 </a:solidFill>
@@ -6909,13 +6862,13 @@
               <a:t>{Beer} </a:t>
             </a:r>
             <a:r>
-              <a:rPr lang="en-US" sz="2400" dirty="0" smtClean="0">
+              <a:rPr lang="en-US" sz="2400" dirty="0">
                 <a:sym typeface="Wingdings" pitchFamily="2" charset="2"/>
               </a:rPr>
               <a:t>with </a:t>
             </a:r>
             <a:r>
-              <a:rPr lang="en-US" sz="2400" i="1" dirty="0" smtClean="0">
+              <a:rPr lang="en-US" sz="2400" i="1" dirty="0">
                 <a:solidFill>
                   <a:srgbClr val="C00000"/>
                 </a:solidFill>
@@ -6924,7 +6877,7 @@
               <a:t>{Milk, Diaper} </a:t>
             </a:r>
             <a:r>
-              <a:rPr lang="en-US" sz="2400" dirty="0" smtClean="0">
+              <a:rPr lang="en-US" sz="2400" dirty="0">
                 <a:sym typeface="Wingdings" pitchFamily="2" charset="2"/>
               </a:rPr>
               <a:t>than it would be to see</a:t>
@@ -6939,7 +6892,7 @@
               <a:t>	</a:t>
             </a:r>
             <a:r>
-              <a:rPr lang="en-US" sz="2400" i="1" dirty="0" smtClean="0">
+              <a:rPr lang="en-US" sz="2400" i="1" dirty="0">
                 <a:solidFill>
                   <a:srgbClr val="C00000"/>
                 </a:solidFill>
@@ -6948,7 +6901,7 @@
               <a:t>{Beer} </a:t>
             </a:r>
             <a:r>
-              <a:rPr lang="en-US" sz="2400" dirty="0" smtClean="0">
+              <a:rPr lang="en-US" sz="2400" dirty="0">
                 <a:sym typeface="Wingdings" pitchFamily="2" charset="2"/>
               </a:rPr>
               <a:t>itself.</a:t>
@@ -7047,7 +7000,7 @@
                         <m:fPr>
                           <m:ctrlPr>
                             <a:rPr lang="en-US" sz="2400" i="1" smtClean="0">
-                              <a:latin typeface="Cambria Math"/>
+                              <a:latin typeface="Cambria Math" panose="02040503050406030204" pitchFamily="18" charset="0"/>
                               <a:sym typeface="Wingdings" pitchFamily="2" charset="2"/>
                             </a:rPr>
                           </m:ctrlPr>
@@ -7122,7 +7075,7 @@
                             <m:dPr>
                               <m:ctrlPr>
                                 <a:rPr lang="en-US" sz="2400" b="0" i="1" smtClean="0">
-                                  <a:latin typeface="Cambria Math"/>
+                                  <a:latin typeface="Cambria Math" panose="02040503050406030204" pitchFamily="18" charset="0"/>
                                   <a:sym typeface="Wingdings" pitchFamily="2" charset="2"/>
                                 </a:rPr>
                               </m:ctrlPr>
@@ -7264,7 +7217,7 @@
           <a:p>
             <a:pPr algn="ctr"/>
             <a:r>
-              <a:rPr lang="en-US" sz="2000" b="1" dirty="0" smtClean="0">
+              <a:rPr lang="en-US" sz="2000" b="1" dirty="0">
                 <a:solidFill>
                   <a:srgbClr val="C00000"/>
                 </a:solidFill>
@@ -7348,13 +7301,6 @@
   <p:clrMapOvr>
     <a:masterClrMapping/>
   </p:clrMapOvr>
-  <p:timing>
-    <p:tnLst>
-      <p:par>
-        <p:cTn id="1" dur="indefinite" restart="never" nodeType="tmRoot"/>
-      </p:par>
-    </p:tnLst>
-  </p:timing>
 </p:sld>
 </file>
 
@@ -7398,12 +7344,12 @@
           <a:lstStyle/>
           <a:p>
             <a:r>
-              <a:rPr lang="en-US" sz="4400" b="1" dirty="0" smtClean="0"/>
+              <a:rPr lang="en-US" sz="4400" b="1" dirty="0"/>
               <a:t>Lift</a:t>
             </a:r>
           </a:p>
           <a:p>
-            <a:endParaRPr lang="en-US" sz="1400" b="1" dirty="0" smtClean="0"/>
+            <a:endParaRPr lang="en-US" sz="1400" b="1" dirty="0"/>
           </a:p>
           <a:p>
             <a:pPr marL="914400" lvl="1" indent="-457200">
@@ -7411,7 +7357,7 @@
               <a:buChar char="-"/>
             </a:pPr>
             <a:r>
-              <a:rPr lang="en-US" sz="2400" dirty="0" smtClean="0">
+              <a:rPr lang="en-US" sz="2400" dirty="0">
                 <a:sym typeface="Wingdings" pitchFamily="2" charset="2"/>
               </a:rPr>
               <a:t>Measures how much likely it is to see:</a:t>
@@ -7422,7 +7368,7 @@
               <a:buFontTx/>
               <a:buChar char="-"/>
             </a:pPr>
-            <a:endParaRPr lang="en-US" sz="1200" dirty="0" smtClean="0">
+            <a:endParaRPr lang="en-US" sz="1200" dirty="0">
               <a:sym typeface="Wingdings" pitchFamily="2" charset="2"/>
             </a:endParaRPr>
           </a:p>
@@ -7435,7 +7381,7 @@
               <a:t>	</a:t>
             </a:r>
             <a:r>
-              <a:rPr lang="en-US" sz="2400" i="1" dirty="0" smtClean="0">
+              <a:rPr lang="en-US" sz="2400" i="1" dirty="0">
                 <a:solidFill>
                   <a:srgbClr val="C00000"/>
                 </a:solidFill>
@@ -7444,13 +7390,13 @@
               <a:t>{Beer} </a:t>
             </a:r>
             <a:r>
-              <a:rPr lang="en-US" sz="2400" dirty="0" smtClean="0">
+              <a:rPr lang="en-US" sz="2400" dirty="0">
                 <a:sym typeface="Wingdings" pitchFamily="2" charset="2"/>
               </a:rPr>
               <a:t>with </a:t>
             </a:r>
             <a:r>
-              <a:rPr lang="en-US" sz="2400" i="1" dirty="0" smtClean="0">
+              <a:rPr lang="en-US" sz="2400" i="1" dirty="0">
                 <a:solidFill>
                   <a:srgbClr val="C00000"/>
                 </a:solidFill>
@@ -7459,7 +7405,7 @@
               <a:t>{Milk, Diaper} </a:t>
             </a:r>
             <a:r>
-              <a:rPr lang="en-US" sz="2400" dirty="0" smtClean="0">
+              <a:rPr lang="en-US" sz="2400" dirty="0">
                 <a:sym typeface="Wingdings" pitchFamily="2" charset="2"/>
               </a:rPr>
               <a:t>than it would be to see</a:t>
@@ -7474,7 +7420,7 @@
               <a:t>	</a:t>
             </a:r>
             <a:r>
-              <a:rPr lang="en-US" sz="2400" i="1" dirty="0" smtClean="0">
+              <a:rPr lang="en-US" sz="2400" i="1" dirty="0">
                 <a:solidFill>
                   <a:srgbClr val="C00000"/>
                 </a:solidFill>
@@ -7483,7 +7429,7 @@
               <a:t>{Beer} </a:t>
             </a:r>
             <a:r>
-              <a:rPr lang="en-US" sz="2400" dirty="0" smtClean="0">
+              <a:rPr lang="en-US" sz="2400" dirty="0">
                 <a:sym typeface="Wingdings" pitchFamily="2" charset="2"/>
               </a:rPr>
               <a:t>itself.</a:t>
@@ -7582,7 +7528,7 @@
                         <m:fPr>
                           <m:ctrlPr>
                             <a:rPr lang="en-US" sz="2400" i="1" smtClean="0">
-                              <a:latin typeface="Cambria Math"/>
+                              <a:latin typeface="Cambria Math" panose="02040503050406030204" pitchFamily="18" charset="0"/>
                               <a:sym typeface="Wingdings" pitchFamily="2" charset="2"/>
                             </a:rPr>
                           </m:ctrlPr>
@@ -7657,7 +7603,7 @@
                             <m:dPr>
                               <m:ctrlPr>
                                 <a:rPr lang="en-US" sz="2400" b="0" i="1" smtClean="0">
-                                  <a:latin typeface="Cambria Math"/>
+                                  <a:latin typeface="Cambria Math" panose="02040503050406030204" pitchFamily="18" charset="0"/>
                                   <a:sym typeface="Wingdings" pitchFamily="2" charset="2"/>
                                 </a:rPr>
                               </m:ctrlPr>
@@ -7799,7 +7745,7 @@
           <a:p>
             <a:pPr algn="ctr"/>
             <a:r>
-              <a:rPr lang="en-US" sz="2000" b="1" dirty="0" smtClean="0">
+              <a:rPr lang="en-US" sz="2000" b="1" dirty="0">
                 <a:solidFill>
                   <a:srgbClr val="C00000"/>
                 </a:solidFill>
@@ -7897,7 +7843,7 @@
           <a:p>
             <a:pPr algn="ctr"/>
             <a:r>
-              <a:rPr lang="en-US" sz="2000" b="1" dirty="0" smtClean="0">
+              <a:rPr lang="en-US" sz="2000" b="1" dirty="0">
                 <a:solidFill>
                   <a:srgbClr val="C00000"/>
                 </a:solidFill>
@@ -7931,7 +7877,7 @@
           <a:p>
             <a:pPr algn="ctr"/>
             <a:r>
-              <a:rPr lang="en-US" sz="2000" b="1" dirty="0" smtClean="0">
+              <a:rPr lang="en-US" sz="2000" b="1" dirty="0">
                 <a:solidFill>
                   <a:srgbClr val="C00000"/>
                 </a:solidFill>
@@ -7964,11 +7910,11 @@
           <a:lstStyle/>
           <a:p>
             <a:r>
-              <a:rPr lang="en-US" sz="2400" dirty="0" smtClean="0"/>
+              <a:rPr lang="en-US" sz="2400" dirty="0"/>
               <a:t>Lift = 0.4 / (0.6) * (0.6) = </a:t>
             </a:r>
             <a:r>
-              <a:rPr lang="en-US" sz="2400" b="1" dirty="0" smtClean="0"/>
+              <a:rPr lang="en-US" sz="2400" b="1" dirty="0"/>
               <a:t>1.11</a:t>
             </a:r>
           </a:p>
@@ -7987,13 +7933,6 @@
   <p:clrMapOvr>
     <a:masterClrMapping/>
   </p:clrMapOvr>
-  <p:timing>
-    <p:tnLst>
-      <p:par>
-        <p:cTn id="1" dur="indefinite" restart="never" nodeType="tmRoot"/>
-      </p:par>
-    </p:tnLst>
-  </p:timing>
 </p:sld>
 </file>
 
@@ -8037,12 +7976,12 @@
           <a:lstStyle/>
           <a:p>
             <a:r>
-              <a:rPr lang="en-US" sz="4400" b="1" dirty="0" smtClean="0"/>
+              <a:rPr lang="en-US" sz="4400" b="1" dirty="0"/>
               <a:t>Interpretation:</a:t>
             </a:r>
           </a:p>
           <a:p>
-            <a:endParaRPr lang="en-US" sz="1400" b="1" dirty="0" smtClean="0"/>
+            <a:endParaRPr lang="en-US" sz="1400" b="1" dirty="0"/>
           </a:p>
           <a:p>
             <a:pPr marL="914400" lvl="1" indent="-457200">
@@ -8050,19 +7989,19 @@
               <a:buChar char="-"/>
             </a:pPr>
             <a:r>
-              <a:rPr lang="en-US" sz="2400" b="1" dirty="0" smtClean="0">
+              <a:rPr lang="en-US" sz="2400" b="1" dirty="0">
                 <a:sym typeface="Wingdings" pitchFamily="2" charset="2"/>
               </a:rPr>
               <a:t>Support</a:t>
             </a:r>
             <a:r>
-              <a:rPr lang="en-US" sz="2400" dirty="0" smtClean="0">
+              <a:rPr lang="en-US" sz="2400" dirty="0">
                 <a:sym typeface="Wingdings" pitchFamily="2" charset="2"/>
               </a:rPr>
               <a:t> of 0.40 indicates that </a:t>
             </a:r>
             <a:r>
-              <a:rPr lang="en-US" sz="2400" i="1" dirty="0" smtClean="0">
+              <a:rPr lang="en-US" sz="2400" i="1" dirty="0">
                 <a:solidFill>
                   <a:srgbClr val="C00000"/>
                 </a:solidFill>
@@ -8071,7 +8010,7 @@
               <a:t>{Milk, Diaper, Beer} </a:t>
             </a:r>
             <a:r>
-              <a:rPr lang="en-US" sz="2400" dirty="0" smtClean="0">
+              <a:rPr lang="en-US" sz="2400" dirty="0">
                 <a:sym typeface="Wingdings" pitchFamily="2" charset="2"/>
               </a:rPr>
               <a:t>appears 40% of all transactions.</a:t>
@@ -8092,19 +8031,19 @@
               <a:buChar char="-"/>
             </a:pPr>
             <a:r>
-              <a:rPr lang="en-US" sz="2400" b="1" dirty="0" smtClean="0">
+              <a:rPr lang="en-US" sz="2400" b="1" dirty="0">
                 <a:sym typeface="Wingdings" pitchFamily="2" charset="2"/>
               </a:rPr>
               <a:t>Confidence </a:t>
             </a:r>
             <a:r>
-              <a:rPr lang="en-US" sz="2400" dirty="0" smtClean="0">
+              <a:rPr lang="en-US" sz="2400" dirty="0">
                 <a:sym typeface="Wingdings" pitchFamily="2" charset="2"/>
               </a:rPr>
               <a:t>of 0.67 suggests that 67% of transactions containing </a:t>
             </a:r>
             <a:r>
-              <a:rPr lang="en-US" sz="2400" i="1" dirty="0" smtClean="0">
+              <a:rPr lang="en-US" sz="2400" i="1" dirty="0">
                 <a:solidFill>
                   <a:srgbClr val="C00000"/>
                 </a:solidFill>
@@ -8113,13 +8052,13 @@
               <a:t>{Milk, Diaper}</a:t>
             </a:r>
             <a:r>
-              <a:rPr lang="en-US" sz="2400" dirty="0" smtClean="0">
+              <a:rPr lang="en-US" sz="2400" dirty="0">
                 <a:sym typeface="Wingdings" pitchFamily="2" charset="2"/>
               </a:rPr>
               <a:t> also contain </a:t>
             </a:r>
             <a:r>
-              <a:rPr lang="en-US" sz="2400" i="1" dirty="0" smtClean="0">
+              <a:rPr lang="en-US" sz="2400" i="1" dirty="0">
                 <a:solidFill>
                   <a:srgbClr val="C00000"/>
                 </a:solidFill>
@@ -8146,19 +8085,19 @@
               <a:buChar char="-"/>
             </a:pPr>
             <a:r>
-              <a:rPr lang="en-US" sz="2400" b="1" dirty="0" smtClean="0">
+              <a:rPr lang="en-US" sz="2400" b="1" dirty="0">
                 <a:sym typeface="Wingdings" pitchFamily="2" charset="2"/>
               </a:rPr>
               <a:t>Lift </a:t>
             </a:r>
             <a:r>
-              <a:rPr lang="en-US" sz="2400" dirty="0" smtClean="0">
+              <a:rPr lang="en-US" sz="2400" dirty="0">
                 <a:sym typeface="Wingdings" pitchFamily="2" charset="2"/>
               </a:rPr>
               <a:t>of 1.11 means that transactions with </a:t>
             </a:r>
             <a:r>
-              <a:rPr lang="en-US" sz="2400" i="1" dirty="0" smtClean="0">
+              <a:rPr lang="en-US" sz="2400" i="1" dirty="0">
                 <a:solidFill>
                   <a:srgbClr val="C00000"/>
                 </a:solidFill>
@@ -8167,19 +8106,19 @@
               <a:t>{Milk, Diaper}</a:t>
             </a:r>
             <a:r>
-              <a:rPr lang="en-US" sz="2400" i="1" dirty="0" smtClean="0">
+              <a:rPr lang="en-US" sz="2400" i="1" dirty="0">
                 <a:sym typeface="Wingdings" pitchFamily="2" charset="2"/>
               </a:rPr>
               <a:t> </a:t>
             </a:r>
             <a:r>
-              <a:rPr lang="en-US" sz="2400" dirty="0" smtClean="0">
+              <a:rPr lang="en-US" sz="2400" dirty="0">
                 <a:sym typeface="Wingdings" pitchFamily="2" charset="2"/>
               </a:rPr>
               <a:t>are 1.11 times more likely to include </a:t>
             </a:r>
             <a:r>
-              <a:rPr lang="en-US" sz="2400" i="1" dirty="0" smtClean="0">
+              <a:rPr lang="en-US" sz="2400" i="1" dirty="0">
                 <a:solidFill>
                   <a:srgbClr val="C00000"/>
                 </a:solidFill>
@@ -8188,7 +8127,7 @@
               <a:t>{Beer} </a:t>
             </a:r>
             <a:r>
-              <a:rPr lang="en-US" sz="2400" dirty="0" smtClean="0">
+              <a:rPr lang="en-US" sz="2400" dirty="0">
                 <a:sym typeface="Wingdings" pitchFamily="2" charset="2"/>
               </a:rPr>
               <a:t>than by random chance.</a:t>
@@ -8217,7 +8156,7 @@
               <a:buFontTx/>
               <a:buChar char="-"/>
             </a:pPr>
-            <a:endParaRPr lang="en-US" sz="2400" dirty="0" smtClean="0">
+            <a:endParaRPr lang="en-US" sz="2400" dirty="0">
               <a:sym typeface="Wingdings" pitchFamily="2" charset="2"/>
             </a:endParaRPr>
           </a:p>
@@ -8226,7 +8165,7 @@
               <a:buFontTx/>
               <a:buChar char="-"/>
             </a:pPr>
-            <a:endParaRPr lang="en-US" sz="1200" dirty="0" smtClean="0">
+            <a:endParaRPr lang="en-US" sz="1200" dirty="0">
               <a:sym typeface="Wingdings" pitchFamily="2" charset="2"/>
             </a:endParaRPr>
           </a:p>
@@ -8242,13 +8181,6 @@
   <p:clrMapOvr>
     <a:masterClrMapping/>
   </p:clrMapOvr>
-  <p:timing>
-    <p:tnLst>
-      <p:par>
-        <p:cTn id="1" dur="indefinite" restart="never" nodeType="tmRoot"/>
-      </p:par>
-    </p:tnLst>
-  </p:timing>
 </p:sld>
 </file>
 
@@ -8292,10 +8224,9 @@
           <a:lstStyle/>
           <a:p>
             <a:r>
-              <a:rPr lang="en-US" sz="4400" b="1" dirty="0" smtClean="0"/>
+              <a:rPr lang="en-US" sz="4400" b="1" dirty="0"/>
               <a:t>Association Rule Mining (ARM)</a:t>
             </a:r>
-            <a:endParaRPr lang="en-US" sz="4400" b="1" dirty="0"/>
           </a:p>
           <a:p>
             <a:endParaRPr lang="en-US" sz="1400" b="1" dirty="0"/>
@@ -8306,11 +8237,11 @@
               <a:buChar char="-"/>
             </a:pPr>
             <a:r>
-              <a:rPr lang="en-US" sz="2800" dirty="0" smtClean="0"/>
+              <a:rPr lang="en-US" sz="2800" dirty="0"/>
               <a:t>A technique used to uncover interesting </a:t>
             </a:r>
             <a:r>
-              <a:rPr lang="en-US" sz="2800" dirty="0" smtClean="0">
+              <a:rPr lang="en-US" sz="2800" dirty="0">
                 <a:solidFill>
                   <a:srgbClr val="FF0000"/>
                 </a:solidFill>
@@ -8318,11 +8249,11 @@
               <a:t>relationships</a:t>
             </a:r>
             <a:r>
-              <a:rPr lang="en-US" sz="2800" dirty="0" smtClean="0"/>
+              <a:rPr lang="en-US" sz="2800" dirty="0"/>
               <a:t>, </a:t>
             </a:r>
             <a:r>
-              <a:rPr lang="en-US" sz="2800" dirty="0" smtClean="0">
+              <a:rPr lang="en-US" sz="2800" dirty="0">
                 <a:solidFill>
                   <a:srgbClr val="FF0000"/>
                 </a:solidFill>
@@ -8330,11 +8261,11 @@
               <a:t>patterns</a:t>
             </a:r>
             <a:r>
-              <a:rPr lang="en-US" sz="2800" dirty="0" smtClean="0"/>
+              <a:rPr lang="en-US" sz="2800" dirty="0"/>
               <a:t>, or </a:t>
             </a:r>
             <a:r>
-              <a:rPr lang="en-US" sz="2800" dirty="0" smtClean="0">
+              <a:rPr lang="en-US" sz="2800" dirty="0">
                 <a:solidFill>
                   <a:srgbClr val="FF0000"/>
                 </a:solidFill>
@@ -8342,7 +8273,7 @@
               <a:t>associations</a:t>
             </a:r>
             <a:r>
-              <a:rPr lang="en-US" sz="2800" dirty="0" smtClean="0"/>
+              <a:rPr lang="en-US" sz="2800" dirty="0"/>
               <a:t> within large datasets.</a:t>
             </a:r>
           </a:p>
@@ -8351,7 +8282,7 @@
               <a:buFontTx/>
               <a:buChar char="-"/>
             </a:pPr>
-            <a:endParaRPr lang="en-US" sz="2800" dirty="0" smtClean="0"/>
+            <a:endParaRPr lang="en-US" sz="2800" dirty="0"/>
           </a:p>
           <a:p>
             <a:pPr marL="457200" indent="-457200">
@@ -8359,11 +8290,11 @@
               <a:buChar char="-"/>
             </a:pPr>
             <a:r>
-              <a:rPr lang="en-US" sz="2800" dirty="0" smtClean="0"/>
+              <a:rPr lang="en-US" sz="2800" dirty="0"/>
               <a:t>Applied in fields such as retail and e-commerce to help understand customer purchasing patterns, detecting anomalies, and making </a:t>
             </a:r>
             <a:r>
-              <a:rPr lang="en-US" sz="2800" dirty="0" smtClean="0">
+              <a:rPr lang="en-US" sz="2800" dirty="0">
                 <a:solidFill>
                   <a:srgbClr val="FF0000"/>
                 </a:solidFill>
@@ -8371,12 +8302,12 @@
               <a:t>strategic business decisions</a:t>
             </a:r>
             <a:r>
-              <a:rPr lang="en-US" sz="2800" dirty="0" smtClean="0"/>
+              <a:rPr lang="en-US" sz="2800" dirty="0"/>
               <a:t>.</a:t>
             </a:r>
           </a:p>
           <a:p>
-            <a:endParaRPr lang="en-US" sz="1400" b="1" dirty="0" smtClean="0"/>
+            <a:endParaRPr lang="en-US" sz="1400" b="1" dirty="0"/>
           </a:p>
         </p:txBody>
       </p:sp>
@@ -8390,13 +8321,6 @@
   <p:clrMapOvr>
     <a:masterClrMapping/>
   </p:clrMapOvr>
-  <p:timing>
-    <p:tnLst>
-      <p:par>
-        <p:cTn id="1" dur="indefinite" restart="never" nodeType="tmRoot"/>
-      </p:par>
-    </p:tnLst>
-  </p:timing>
 </p:sld>
 </file>
 
@@ -8440,12 +8364,12 @@
           <a:lstStyle/>
           <a:p>
             <a:r>
-              <a:rPr lang="en-US" sz="4400" b="1" dirty="0" smtClean="0"/>
+              <a:rPr lang="en-US" sz="4400" b="1" dirty="0"/>
               <a:t>Interpreting Lift Values (L &gt; 1)</a:t>
             </a:r>
           </a:p>
           <a:p>
-            <a:endParaRPr lang="en-US" sz="1400" b="1" dirty="0" smtClean="0"/>
+            <a:endParaRPr lang="en-US" sz="1400" b="1" dirty="0"/>
           </a:p>
           <a:p>
             <a:pPr marL="914400" lvl="1" indent="-457200">
@@ -8453,19 +8377,19 @@
               <a:buChar char="-"/>
             </a:pPr>
             <a:r>
-              <a:rPr lang="en-US" sz="2400" dirty="0" smtClean="0">
+              <a:rPr lang="en-US" sz="2400" dirty="0">
                 <a:sym typeface="Wingdings" pitchFamily="2" charset="2"/>
               </a:rPr>
               <a:t>A lift of </a:t>
             </a:r>
             <a:r>
-              <a:rPr lang="en-US" sz="2400" b="1" dirty="0" smtClean="0">
+              <a:rPr lang="en-US" sz="2400" b="1" dirty="0">
                 <a:sym typeface="Wingdings" pitchFamily="2" charset="2"/>
               </a:rPr>
               <a:t>greater than 1 </a:t>
             </a:r>
             <a:r>
-              <a:rPr lang="en-US" sz="2400" dirty="0" smtClean="0">
+              <a:rPr lang="en-US" sz="2400" dirty="0">
                 <a:sym typeface="Wingdings" pitchFamily="2" charset="2"/>
               </a:rPr>
               <a:t>indicates that items in the antecedent and consequent appear together more frequently than would be expected by random chance.</a:t>
@@ -8486,12 +8410,12 @@
               <a:buChar char="-"/>
             </a:pPr>
             <a:r>
-              <a:rPr lang="en-US" sz="2400" b="1" dirty="0" smtClean="0">
+              <a:rPr lang="en-US" sz="2400" b="1" dirty="0">
                 <a:sym typeface="Wingdings" pitchFamily="2" charset="2"/>
               </a:rPr>
               <a:t>Higher values signify a stronger association:</a:t>
             </a:r>
-            <a:endParaRPr lang="en-US" sz="2400" i="1" dirty="0" smtClean="0">
+            <a:endParaRPr lang="en-US" sz="2400" i="1" dirty="0">
               <a:solidFill>
                 <a:srgbClr val="C00000"/>
               </a:solidFill>
@@ -8501,7 +8425,7 @@
           <a:p>
             <a:pPr lvl="1"/>
             <a:r>
-              <a:rPr lang="en-US" sz="2400" i="1" dirty="0" smtClean="0">
+              <a:rPr lang="en-US" sz="2400" i="1" dirty="0">
                 <a:solidFill>
                   <a:srgbClr val="C00000"/>
                 </a:solidFill>
@@ -8510,7 +8434,7 @@
               <a:t>	1.1 to 1.5: </a:t>
             </a:r>
             <a:r>
-              <a:rPr lang="en-US" sz="2400" i="1" dirty="0" smtClean="0">
+              <a:rPr lang="en-US" sz="2400" i="1" dirty="0">
                 <a:sym typeface="Wingdings" pitchFamily="2" charset="2"/>
               </a:rPr>
               <a:t>Weak positive association</a:t>
@@ -8525,53 +8449,32 @@
                 </a:solidFill>
                 <a:sym typeface="Wingdings" pitchFamily="2" charset="2"/>
               </a:rPr>
-              <a:t>	</a:t>
-            </a:r>
-            <a:r>
-              <a:rPr lang="en-US" sz="2400" i="1" dirty="0" smtClean="0">
+              <a:t>	1.6 to 2.0: </a:t>
+            </a:r>
+            <a:r>
+              <a:rPr lang="en-US" sz="2400" i="1" dirty="0">
+                <a:sym typeface="Wingdings" pitchFamily="2" charset="2"/>
+              </a:rPr>
+              <a:t>Moderate positive association</a:t>
+            </a:r>
+          </a:p>
+          <a:p>
+            <a:pPr lvl="1"/>
+            <a:r>
+              <a:rPr lang="en-US" sz="2400" i="1" dirty="0">
                 <a:solidFill>
                   <a:srgbClr val="C00000"/>
                 </a:solidFill>
                 <a:sym typeface="Wingdings" pitchFamily="2" charset="2"/>
               </a:rPr>
-              <a:t>1.6 to 2.0: </a:t>
-            </a:r>
-            <a:r>
-              <a:rPr lang="en-US" sz="2400" i="1" dirty="0" smtClean="0">
-                <a:sym typeface="Wingdings" pitchFamily="2" charset="2"/>
-              </a:rPr>
-              <a:t>Moderate positive association</a:t>
-            </a:r>
-          </a:p>
-          <a:p>
-            <a:pPr lvl="1"/>
+              <a:t>	&gt; 2.0: </a:t>
+            </a:r>
             <a:r>
               <a:rPr lang="en-US" sz="2400" i="1" dirty="0">
-                <a:solidFill>
-                  <a:srgbClr val="C00000"/>
-                </a:solidFill>
-                <a:sym typeface="Wingdings" pitchFamily="2" charset="2"/>
-              </a:rPr>
-              <a:t>	</a:t>
-            </a:r>
-            <a:r>
-              <a:rPr lang="en-US" sz="2400" i="1" dirty="0" smtClean="0">
-                <a:solidFill>
-                  <a:srgbClr val="C00000"/>
-                </a:solidFill>
-                <a:sym typeface="Wingdings" pitchFamily="2" charset="2"/>
-              </a:rPr>
-              <a:t>&gt; 2.0: </a:t>
-            </a:r>
-            <a:r>
-              <a:rPr lang="en-US" sz="2400" i="1" dirty="0" smtClean="0">
                 <a:sym typeface="Wingdings" pitchFamily="2" charset="2"/>
               </a:rPr>
               <a:t>Strong positive association</a:t>
             </a:r>
-            <a:endParaRPr lang="en-US" sz="2400" i="1" dirty="0">
-              <a:sym typeface="Wingdings" pitchFamily="2" charset="2"/>
-            </a:endParaRPr>
           </a:p>
         </p:txBody>
       </p:sp>
@@ -8585,13 +8488,6 @@
   <p:clrMapOvr>
     <a:masterClrMapping/>
   </p:clrMapOvr>
-  <p:timing>
-    <p:tnLst>
-      <p:par>
-        <p:cTn id="1" dur="indefinite" restart="never" nodeType="tmRoot"/>
-      </p:par>
-    </p:tnLst>
-  </p:timing>
 </p:sld>
 </file>
 
@@ -8635,12 +8531,12 @@
           <a:lstStyle/>
           <a:p>
             <a:r>
-              <a:rPr lang="en-US" sz="4400" b="1" dirty="0" smtClean="0"/>
+              <a:rPr lang="en-US" sz="4400" b="1" dirty="0"/>
               <a:t>Interpreting Lift Values (L = 1)</a:t>
             </a:r>
           </a:p>
           <a:p>
-            <a:endParaRPr lang="en-US" sz="1400" b="1" dirty="0" smtClean="0"/>
+            <a:endParaRPr lang="en-US" sz="1400" b="1" dirty="0"/>
           </a:p>
           <a:p>
             <a:pPr marL="914400" lvl="1" indent="-457200">
@@ -8648,31 +8544,31 @@
               <a:buChar char="-"/>
             </a:pPr>
             <a:r>
-              <a:rPr lang="en-US" sz="2400" dirty="0" smtClean="0">
+              <a:rPr lang="en-US" sz="2400" dirty="0">
                 <a:sym typeface="Wingdings" pitchFamily="2" charset="2"/>
               </a:rPr>
               <a:t>A lift of </a:t>
             </a:r>
             <a:r>
-              <a:rPr lang="en-US" sz="2400" b="1" dirty="0" smtClean="0">
+              <a:rPr lang="en-US" sz="2400" b="1" dirty="0">
                 <a:sym typeface="Wingdings" pitchFamily="2" charset="2"/>
               </a:rPr>
               <a:t>exactly</a:t>
             </a:r>
             <a:r>
-              <a:rPr lang="en-US" sz="2400" dirty="0" smtClean="0">
+              <a:rPr lang="en-US" sz="2400" dirty="0">
                 <a:sym typeface="Wingdings" pitchFamily="2" charset="2"/>
               </a:rPr>
               <a:t> </a:t>
             </a:r>
             <a:r>
-              <a:rPr lang="en-US" sz="2400" b="1" dirty="0" smtClean="0">
+              <a:rPr lang="en-US" sz="2400" b="1" dirty="0">
                 <a:sym typeface="Wingdings" pitchFamily="2" charset="2"/>
               </a:rPr>
               <a:t>1 </a:t>
             </a:r>
             <a:r>
-              <a:rPr lang="en-US" sz="2400" dirty="0" smtClean="0">
+              <a:rPr lang="en-US" sz="2400" dirty="0">
                 <a:sym typeface="Wingdings" pitchFamily="2" charset="2"/>
               </a:rPr>
               <a:t>indicates that the antecedent and consequent are statistically independent. The presence of one item does not affect the likelihood of the other appearing.</a:t>
@@ -8690,13 +8586,6 @@
   <p:clrMapOvr>
     <a:masterClrMapping/>
   </p:clrMapOvr>
-  <p:timing>
-    <p:tnLst>
-      <p:par>
-        <p:cTn id="1" dur="indefinite" restart="never" nodeType="tmRoot"/>
-      </p:par>
-    </p:tnLst>
-  </p:timing>
 </p:sld>
 </file>
 
@@ -8740,12 +8629,12 @@
           <a:lstStyle/>
           <a:p>
             <a:r>
-              <a:rPr lang="en-US" sz="4400" b="1" dirty="0" smtClean="0"/>
+              <a:rPr lang="en-US" sz="4400" b="1" dirty="0"/>
               <a:t>Interpreting Lift Values (L &lt; 1)</a:t>
             </a:r>
           </a:p>
           <a:p>
-            <a:endParaRPr lang="en-US" sz="1400" b="1" dirty="0" smtClean="0"/>
+            <a:endParaRPr lang="en-US" sz="1400" b="1" dirty="0"/>
           </a:p>
           <a:p>
             <a:pPr marL="914400" lvl="1" indent="-457200">
@@ -8753,19 +8642,19 @@
               <a:buChar char="-"/>
             </a:pPr>
             <a:r>
-              <a:rPr lang="en-US" sz="2400" dirty="0" smtClean="0">
+              <a:rPr lang="en-US" sz="2400" dirty="0">
                 <a:sym typeface="Wingdings" pitchFamily="2" charset="2"/>
               </a:rPr>
               <a:t>A lift of </a:t>
             </a:r>
             <a:r>
-              <a:rPr lang="en-US" sz="2400" b="1" dirty="0" smtClean="0">
+              <a:rPr lang="en-US" sz="2400" b="1" dirty="0">
                 <a:sym typeface="Wingdings" pitchFamily="2" charset="2"/>
               </a:rPr>
               <a:t>less than 1 </a:t>
             </a:r>
             <a:r>
-              <a:rPr lang="en-US" sz="2400" dirty="0" smtClean="0">
+              <a:rPr lang="en-US" sz="2400" dirty="0">
                 <a:sym typeface="Wingdings" pitchFamily="2" charset="2"/>
               </a:rPr>
               <a:t>indicates that the presence of the antecedent actually makes the consequent less likely to occur in the same transaction.</a:t>
@@ -8786,12 +8675,12 @@
               <a:buChar char="-"/>
             </a:pPr>
             <a:r>
-              <a:rPr lang="en-US" sz="2400" b="1" dirty="0" smtClean="0">
+              <a:rPr lang="en-US" sz="2400" b="1" dirty="0">
                 <a:sym typeface="Wingdings" pitchFamily="2" charset="2"/>
               </a:rPr>
               <a:t>Values further below 1 imply a stronger negative association:</a:t>
             </a:r>
-            <a:endParaRPr lang="en-US" sz="2400" i="1" dirty="0" smtClean="0">
+            <a:endParaRPr lang="en-US" sz="2400" i="1" dirty="0">
               <a:solidFill>
                 <a:srgbClr val="C00000"/>
               </a:solidFill>
@@ -8801,7 +8690,7 @@
           <a:p>
             <a:pPr lvl="1"/>
             <a:r>
-              <a:rPr lang="en-US" sz="2400" i="1" dirty="0" smtClean="0">
+              <a:rPr lang="en-US" sz="2400" i="1" dirty="0">
                 <a:solidFill>
                   <a:srgbClr val="C00000"/>
                 </a:solidFill>
@@ -8810,7 +8699,7 @@
               <a:t>	0.75 to 1.0: </a:t>
             </a:r>
             <a:r>
-              <a:rPr lang="en-US" sz="2400" i="1" dirty="0" smtClean="0">
+              <a:rPr lang="en-US" sz="2400" i="1" dirty="0">
                 <a:sym typeface="Wingdings" pitchFamily="2" charset="2"/>
               </a:rPr>
               <a:t>Weak negative association</a:t>
@@ -8825,53 +8714,32 @@
                 </a:solidFill>
                 <a:sym typeface="Wingdings" pitchFamily="2" charset="2"/>
               </a:rPr>
-              <a:t>	</a:t>
-            </a:r>
-            <a:r>
-              <a:rPr lang="en-US" sz="2400" i="1" dirty="0" smtClean="0">
+              <a:t>	0.5 to 0.74: </a:t>
+            </a:r>
+            <a:r>
+              <a:rPr lang="en-US" sz="2400" i="1" dirty="0">
+                <a:sym typeface="Wingdings" pitchFamily="2" charset="2"/>
+              </a:rPr>
+              <a:t>Moderate negative association</a:t>
+            </a:r>
+          </a:p>
+          <a:p>
+            <a:pPr lvl="1"/>
+            <a:r>
+              <a:rPr lang="en-US" sz="2400" i="1" dirty="0">
                 <a:solidFill>
                   <a:srgbClr val="C00000"/>
                 </a:solidFill>
                 <a:sym typeface="Wingdings" pitchFamily="2" charset="2"/>
               </a:rPr>
-              <a:t>0.5 to 0.74: </a:t>
-            </a:r>
-            <a:r>
-              <a:rPr lang="en-US" sz="2400" i="1" dirty="0" smtClean="0">
-                <a:sym typeface="Wingdings" pitchFamily="2" charset="2"/>
-              </a:rPr>
-              <a:t>Moderate negative association</a:t>
-            </a:r>
-          </a:p>
-          <a:p>
-            <a:pPr lvl="1"/>
+              <a:t>	&gt; 0.5: </a:t>
+            </a:r>
             <a:r>
               <a:rPr lang="en-US" sz="2400" i="1" dirty="0">
-                <a:solidFill>
-                  <a:srgbClr val="C00000"/>
-                </a:solidFill>
-                <a:sym typeface="Wingdings" pitchFamily="2" charset="2"/>
-              </a:rPr>
-              <a:t>	</a:t>
-            </a:r>
-            <a:r>
-              <a:rPr lang="en-US" sz="2400" i="1" dirty="0" smtClean="0">
-                <a:solidFill>
-                  <a:srgbClr val="C00000"/>
-                </a:solidFill>
-                <a:sym typeface="Wingdings" pitchFamily="2" charset="2"/>
-              </a:rPr>
-              <a:t>&gt; 0.5: </a:t>
-            </a:r>
-            <a:r>
-              <a:rPr lang="en-US" sz="2400" i="1" dirty="0" smtClean="0">
                 <a:sym typeface="Wingdings" pitchFamily="2" charset="2"/>
               </a:rPr>
               <a:t>Strong negative association</a:t>
             </a:r>
-            <a:endParaRPr lang="en-US" sz="2400" i="1" dirty="0">
-              <a:sym typeface="Wingdings" pitchFamily="2" charset="2"/>
-            </a:endParaRPr>
           </a:p>
         </p:txBody>
       </p:sp>
@@ -8885,13 +8753,6 @@
   <p:clrMapOvr>
     <a:masterClrMapping/>
   </p:clrMapOvr>
-  <p:timing>
-    <p:tnLst>
-      <p:par>
-        <p:cTn id="1" dur="indefinite" restart="never" nodeType="tmRoot"/>
-      </p:par>
-    </p:tnLst>
-  </p:timing>
 </p:sld>
 </file>
 
@@ -8936,18 +8797,17 @@
           <a:p>
             <a:pPr algn="ctr"/>
             <a:r>
-              <a:rPr lang="en-US" sz="6000" b="1" dirty="0" smtClean="0"/>
+              <a:rPr lang="en-US" sz="6000" b="1" dirty="0"/>
               <a:t>The </a:t>
             </a:r>
             <a:r>
-              <a:rPr lang="en-US" sz="6000" b="1" dirty="0" err="1" smtClean="0"/>
+              <a:rPr lang="en-US" sz="6000" b="1" dirty="0" err="1"/>
               <a:t>Apriori</a:t>
             </a:r>
             <a:r>
-              <a:rPr lang="en-US" sz="6000" b="1" dirty="0" smtClean="0"/>
+              <a:rPr lang="en-US" sz="6000" b="1" dirty="0"/>
               <a:t> Principle</a:t>
             </a:r>
-            <a:endParaRPr lang="en-US" sz="6000" b="1" dirty="0"/>
           </a:p>
         </p:txBody>
       </p:sp>
@@ -8961,13 +8821,6 @@
   <p:clrMapOvr>
     <a:masterClrMapping/>
   </p:clrMapOvr>
-  <p:timing>
-    <p:tnLst>
-      <p:par>
-        <p:cTn id="1" dur="indefinite" restart="never" nodeType="tmRoot"/>
-      </p:par>
-    </p:tnLst>
-  </p:timing>
 </p:sld>
 </file>
 
@@ -9011,26 +8864,25 @@
           <a:lstStyle/>
           <a:p>
             <a:r>
-              <a:rPr lang="en-US" sz="3600" b="1" dirty="0" smtClean="0"/>
+              <a:rPr lang="en-US" sz="3600" b="1" dirty="0"/>
               <a:t>To reduce </a:t>
             </a:r>
             <a:r>
-              <a:rPr lang="en-US" sz="3600" b="1" dirty="0" err="1" smtClean="0"/>
+              <a:rPr lang="en-US" sz="3600" b="1" dirty="0" err="1"/>
               <a:t>compuational</a:t>
             </a:r>
             <a:r>
-              <a:rPr lang="en-US" sz="3600" b="1" dirty="0" smtClean="0"/>
+              <a:rPr lang="en-US" sz="3600" b="1" dirty="0"/>
               <a:t> effort, the </a:t>
             </a:r>
             <a:r>
-              <a:rPr lang="en-US" sz="3600" b="1" dirty="0" err="1" smtClean="0"/>
+              <a:rPr lang="en-US" sz="3600" b="1" dirty="0" err="1"/>
               <a:t>Apriori</a:t>
             </a:r>
             <a:r>
-              <a:rPr lang="en-US" sz="3600" b="1" dirty="0" smtClean="0"/>
+              <a:rPr lang="en-US" sz="3600" b="1" dirty="0"/>
               <a:t> principle states:</a:t>
             </a:r>
-            <a:endParaRPr lang="en-US" sz="3600" b="1" dirty="0"/>
           </a:p>
           <a:p>
             <a:endParaRPr lang="en-US" sz="1400" b="1" dirty="0"/>
@@ -9041,21 +8893,21 @@
               <a:buChar char="-"/>
             </a:pPr>
             <a:r>
-              <a:rPr lang="en-US" sz="2800" dirty="0" smtClean="0"/>
+              <a:rPr lang="en-US" sz="2800" dirty="0"/>
               <a:t>“If an </a:t>
             </a:r>
             <a:r>
-              <a:rPr lang="en-US" sz="2800" dirty="0" err="1" smtClean="0"/>
+              <a:rPr lang="en-US" sz="2800" dirty="0" err="1"/>
               <a:t>itemset</a:t>
             </a:r>
             <a:r>
-              <a:rPr lang="en-US" sz="2800" dirty="0" smtClean="0"/>
+              <a:rPr lang="en-US" sz="2800" dirty="0"/>
               <a:t> is frequent, all its subsets must also be frequent”</a:t>
             </a:r>
           </a:p>
           <a:p>
             <a:pPr lvl="1"/>
-            <a:endParaRPr lang="en-US" sz="2800" dirty="0" smtClean="0"/>
+            <a:endParaRPr lang="en-US" sz="2800" dirty="0"/>
           </a:p>
           <a:p>
             <a:pPr marL="914400" lvl="1" indent="-457200">
@@ -9063,13 +8915,13 @@
               <a:buChar char="-"/>
             </a:pPr>
             <a:r>
-              <a:rPr lang="en-US" sz="2800" dirty="0" smtClean="0">
+              <a:rPr lang="en-US" sz="2800" dirty="0">
                 <a:sym typeface="Wingdings" pitchFamily="2" charset="2"/>
               </a:rPr>
               <a:t>This allows us to prune (ignore) </a:t>
             </a:r>
             <a:r>
-              <a:rPr lang="en-US" sz="2800" dirty="0" err="1" smtClean="0">
+              <a:rPr lang="en-US" sz="2800" dirty="0" err="1">
                 <a:sym typeface="Wingdings" pitchFamily="2" charset="2"/>
               </a:rPr>
               <a:t>itemsets</a:t>
@@ -9078,22 +8930,16 @@
               <a:rPr lang="en-US" sz="2800" dirty="0">
                 <a:sym typeface="Wingdings" pitchFamily="2" charset="2"/>
               </a:rPr>
-              <a:t> </a:t>
-            </a:r>
-            <a:r>
-              <a:rPr lang="en-US" sz="2800" dirty="0" smtClean="0">
-                <a:sym typeface="Wingdings" pitchFamily="2" charset="2"/>
-              </a:rPr>
-              <a:t>that have infrequent subsets, reducing thee number of </a:t>
-            </a:r>
-            <a:r>
-              <a:rPr lang="en-US" sz="2800" dirty="0" err="1" smtClean="0">
+              <a:t> that have infrequent subsets, reducing thee number of </a:t>
+            </a:r>
+            <a:r>
+              <a:rPr lang="en-US" sz="2800" dirty="0" err="1">
                 <a:sym typeface="Wingdings" pitchFamily="2" charset="2"/>
               </a:rPr>
               <a:t>itemsets</a:t>
             </a:r>
             <a:r>
-              <a:rPr lang="en-US" sz="2800" dirty="0" smtClean="0">
+              <a:rPr lang="en-US" sz="2800" dirty="0">
                 <a:sym typeface="Wingdings" pitchFamily="2" charset="2"/>
               </a:rPr>
               <a:t> we need to consider</a:t>
@@ -9111,13 +8957,6 @@
   <p:clrMapOvr>
     <a:masterClrMapping/>
   </p:clrMapOvr>
-  <p:timing>
-    <p:tnLst>
-      <p:par>
-        <p:cTn id="1" dur="indefinite" restart="never" nodeType="tmRoot"/>
-      </p:par>
-    </p:tnLst>
-  </p:timing>
 </p:sld>
 </file>
 
@@ -9161,41 +9000,41 @@
           <a:lstStyle/>
           <a:p>
             <a:r>
-              <a:rPr lang="en-US" sz="3600" b="1" dirty="0" smtClean="0"/>
+              <a:rPr lang="en-US" sz="3600" b="1" dirty="0"/>
               <a:t>Rule Generation</a:t>
             </a:r>
           </a:p>
           <a:p>
-            <a:endParaRPr lang="en-US" sz="1600" b="1" dirty="0" smtClean="0"/>
+            <a:endParaRPr lang="en-US" sz="1600" b="1" dirty="0"/>
           </a:p>
           <a:p>
             <a:pPr marL="0" lvl="1"/>
             <a:r>
-              <a:rPr lang="en-US" sz="2800" dirty="0" smtClean="0"/>
+              <a:rPr lang="en-US" sz="2800" dirty="0"/>
               <a:t>Once </a:t>
             </a:r>
             <a:r>
-              <a:rPr lang="en-US" sz="2800" b="1" dirty="0" smtClean="0"/>
+              <a:rPr lang="en-US" sz="2800" b="1" dirty="0"/>
               <a:t>frequent </a:t>
             </a:r>
             <a:r>
-              <a:rPr lang="en-US" sz="2800" b="1" dirty="0" err="1" smtClean="0"/>
+              <a:rPr lang="en-US" sz="2800" b="1" dirty="0" err="1"/>
               <a:t>itemsets</a:t>
             </a:r>
             <a:r>
-              <a:rPr lang="en-US" sz="2800" b="1" dirty="0" smtClean="0"/>
+              <a:rPr lang="en-US" sz="2800" b="1" dirty="0"/>
               <a:t> </a:t>
             </a:r>
             <a:r>
-              <a:rPr lang="en-US" sz="2800" dirty="0" smtClean="0"/>
+              <a:rPr lang="en-US" sz="2800" dirty="0"/>
               <a:t>are identified, rules are generated by partitioning the </a:t>
             </a:r>
             <a:r>
-              <a:rPr lang="en-US" sz="2800" dirty="0" err="1" smtClean="0"/>
+              <a:rPr lang="en-US" sz="2800" dirty="0" err="1"/>
               <a:t>itemset</a:t>
             </a:r>
             <a:r>
-              <a:rPr lang="en-US" sz="2800" dirty="0" smtClean="0"/>
+              <a:rPr lang="en-US" sz="2800" dirty="0"/>
               <a:t>:</a:t>
             </a:r>
           </a:p>
@@ -9206,19 +9045,19 @@
           <a:p>
             <a:pPr marL="0" lvl="1"/>
             <a:r>
-              <a:rPr lang="en-US" sz="2800" dirty="0" smtClean="0"/>
+              <a:rPr lang="en-US" sz="2800" dirty="0"/>
               <a:t>For example, from the </a:t>
             </a:r>
             <a:r>
-              <a:rPr lang="en-US" sz="2800" dirty="0" err="1" smtClean="0"/>
+              <a:rPr lang="en-US" sz="2800" dirty="0" err="1"/>
               <a:t>itemset</a:t>
             </a:r>
             <a:r>
-              <a:rPr lang="en-US" sz="2800" dirty="0" smtClean="0"/>
+              <a:rPr lang="en-US" sz="2800" dirty="0"/>
               <a:t> </a:t>
             </a:r>
             <a:r>
-              <a:rPr lang="en-US" sz="2800" i="1" dirty="0" smtClean="0">
+              <a:rPr lang="en-US" sz="2800" i="1" dirty="0">
                 <a:solidFill>
                   <a:srgbClr val="C00000"/>
                 </a:solidFill>
@@ -9226,10 +9065,9 @@
               <a:t>{Milk, Diaper, Beer}, </a:t>
             </a:r>
             <a:r>
-              <a:rPr lang="en-US" sz="2800" dirty="0" smtClean="0"/>
+              <a:rPr lang="en-US" sz="2800" dirty="0"/>
               <a:t>possible rules include:</a:t>
             </a:r>
-            <a:endParaRPr lang="en-US" sz="2800" dirty="0"/>
           </a:p>
           <a:p>
             <a:endParaRPr lang="en-US" sz="1400" b="1" dirty="0"/>
@@ -9240,7 +9078,7 @@
               <a:buChar char="-"/>
             </a:pPr>
             <a:r>
-              <a:rPr lang="en-US" sz="2800" i="1" dirty="0" smtClean="0">
+              <a:rPr lang="en-US" sz="2800" i="1" dirty="0">
                 <a:solidFill>
                   <a:srgbClr val="C00000"/>
                 </a:solidFill>
@@ -9248,17 +9086,17 @@
               <a:t>{Milk, Diaper}</a:t>
             </a:r>
             <a:r>
-              <a:rPr lang="en-US" sz="2800" dirty="0" smtClean="0"/>
+              <a:rPr lang="en-US" sz="2800" dirty="0"/>
               <a:t> </a:t>
             </a:r>
             <a:r>
-              <a:rPr lang="en-US" sz="2800" dirty="0" smtClean="0">
+              <a:rPr lang="en-US" sz="2800" dirty="0">
                 <a:sym typeface="Wingdings" pitchFamily="2" charset="2"/>
               </a:rPr>
               <a:t> </a:t>
             </a:r>
             <a:r>
-              <a:rPr lang="en-US" sz="2800" i="1" dirty="0" smtClean="0">
+              <a:rPr lang="en-US" sz="2800" i="1" dirty="0">
                 <a:solidFill>
                   <a:srgbClr val="0070C0"/>
                 </a:solidFill>
@@ -9266,7 +9104,7 @@
               </a:rPr>
               <a:t>{Beer}</a:t>
             </a:r>
-            <a:endParaRPr lang="en-US" sz="2800" i="1" dirty="0" smtClean="0">
+            <a:endParaRPr lang="en-US" sz="2800" i="1" dirty="0">
               <a:solidFill>
                 <a:srgbClr val="0070C0"/>
               </a:solidFill>
@@ -9278,7 +9116,7 @@
               <a:buChar char="-"/>
             </a:pPr>
             <a:r>
-              <a:rPr lang="en-US" sz="2800" i="1" dirty="0" smtClean="0">
+              <a:rPr lang="en-US" sz="2800" i="1" dirty="0">
                 <a:solidFill>
                   <a:srgbClr val="C00000"/>
                 </a:solidFill>
@@ -9287,13 +9125,13 @@
               <a:t>{Diaper, Beer} </a:t>
             </a:r>
             <a:r>
-              <a:rPr lang="en-US" sz="2800" dirty="0" smtClean="0">
+              <a:rPr lang="en-US" sz="2800" dirty="0">
                 <a:sym typeface="Wingdings" pitchFamily="2" charset="2"/>
               </a:rPr>
               <a:t> </a:t>
             </a:r>
             <a:r>
-              <a:rPr lang="en-US" sz="2800" i="1" dirty="0" smtClean="0">
+              <a:rPr lang="en-US" sz="2800" i="1" dirty="0">
                 <a:solidFill>
                   <a:srgbClr val="0070C0"/>
                 </a:solidFill>
@@ -9317,14 +9155,11 @@
           <a:p>
             <a:pPr lvl="1"/>
             <a:r>
-              <a:rPr lang="en-US" sz="2800" b="1" i="1" dirty="0" smtClean="0">
+              <a:rPr lang="en-US" sz="2800" b="1" i="1" dirty="0">
                 <a:sym typeface="Wingdings" pitchFamily="2" charset="2"/>
               </a:rPr>
               <a:t>* Only rules that meet the confidence threshold are retained</a:t>
             </a:r>
-            <a:endParaRPr lang="en-US" sz="2800" b="1" i="1" dirty="0">
-              <a:sym typeface="Wingdings" pitchFamily="2" charset="2"/>
-            </a:endParaRPr>
           </a:p>
         </p:txBody>
       </p:sp>
@@ -9338,13 +9173,6 @@
   <p:clrMapOvr>
     <a:masterClrMapping/>
   </p:clrMapOvr>
-  <p:timing>
-    <p:tnLst>
-      <p:par>
-        <p:cTn id="1" dur="indefinite" restart="never" nodeType="tmRoot"/>
-      </p:par>
-    </p:tnLst>
-  </p:timing>
 </p:sld>
 </file>
 
@@ -9388,11 +9216,11 @@
           <a:lstStyle/>
           <a:p>
             <a:r>
-              <a:rPr lang="en-US" sz="3600" b="1" dirty="0" err="1" smtClean="0"/>
+              <a:rPr lang="en-US" sz="3600" b="1" dirty="0" err="1"/>
               <a:t>Apriori</a:t>
             </a:r>
             <a:r>
-              <a:rPr lang="en-US" sz="3600" b="1" dirty="0" smtClean="0"/>
+              <a:rPr lang="en-US" sz="3600" b="1" dirty="0"/>
               <a:t> Principle in Action</a:t>
             </a:r>
           </a:p>
@@ -9437,15 +9265,15 @@
               <a:rPr lang="en-US" sz="2000" dirty="0"/>
               <a:t>).</a:t>
             </a:r>
-            <a:endParaRPr lang="en-US" sz="2000" b="1" dirty="0" smtClean="0"/>
-          </a:p>
-          <a:p>
-            <a:endParaRPr lang="en-US" sz="1600" b="1" dirty="0" smtClean="0"/>
+            <a:endParaRPr lang="en-US" sz="2000" b="1" dirty="0"/>
+          </a:p>
+          <a:p>
+            <a:endParaRPr lang="en-US" sz="1600" b="1" dirty="0"/>
           </a:p>
           <a:p>
             <a:pPr marL="0" lvl="1"/>
             <a:r>
-              <a:rPr lang="en-US" sz="2400" b="1" dirty="0" smtClean="0"/>
+              <a:rPr lang="en-US" sz="2400" b="1" dirty="0"/>
               <a:t>Step 1: Identify Frequent 1-Itemsets</a:t>
             </a:r>
           </a:p>
@@ -9453,11 +9281,7 @@
             <a:pPr marL="0" lvl="1"/>
             <a:r>
               <a:rPr lang="en-US" sz="2400" dirty="0"/>
-              <a:t>Count each item individually across </a:t>
-            </a:r>
-            <a:r>
-              <a:rPr lang="en-US" sz="2400" dirty="0" smtClean="0"/>
-              <a:t>transactions</a:t>
+              <a:t>Count each item individually across transactions</a:t>
             </a:r>
           </a:p>
           <a:p>
@@ -9475,80 +9299,64 @@
               <a:t> appears in 4 transactions (1, 2, 4, 5) ➔ </a:t>
             </a:r>
             <a:r>
-              <a:rPr lang="en-PH" sz="2000" b="1" dirty="0" smtClean="0"/>
+              <a:rPr lang="en-PH" sz="2000" b="1" dirty="0"/>
               <a:t>frequent</a:t>
             </a:r>
           </a:p>
           <a:p>
             <a:pPr marL="0" lvl="1"/>
             <a:r>
-              <a:rPr lang="en-PH" sz="2000" b="1" dirty="0" smtClean="0"/>
+              <a:rPr lang="en-PH" sz="2000" b="1" dirty="0"/>
               <a:t>Milk</a:t>
             </a:r>
             <a:r>
-              <a:rPr lang="en-PH" sz="2000" dirty="0" smtClean="0"/>
-              <a:t> </a:t>
-            </a:r>
-            <a:r>
               <a:rPr lang="en-PH" sz="2000" dirty="0"/>
-              <a:t>appears in 4 transactions (1, 3, 4, 5) ➔ </a:t>
-            </a:r>
-            <a:r>
-              <a:rPr lang="en-PH" sz="2000" b="1" dirty="0" smtClean="0"/>
+              <a:t> appears in 4 transactions (1, 3, 4, 5) ➔ </a:t>
+            </a:r>
+            <a:r>
+              <a:rPr lang="en-PH" sz="2000" b="1" dirty="0"/>
               <a:t>frequent</a:t>
             </a:r>
           </a:p>
           <a:p>
             <a:pPr marL="0" lvl="1"/>
             <a:r>
-              <a:rPr lang="en-PH" sz="2000" b="1" dirty="0" smtClean="0"/>
+              <a:rPr lang="en-PH" sz="2000" b="1" dirty="0"/>
               <a:t>Diaper</a:t>
             </a:r>
             <a:r>
-              <a:rPr lang="en-PH" sz="2000" dirty="0" smtClean="0"/>
-              <a:t> </a:t>
-            </a:r>
-            <a:r>
               <a:rPr lang="en-PH" sz="2000" dirty="0"/>
-              <a:t>appears in 4 transactions (2, 3, 4, 5) ➔ </a:t>
-            </a:r>
-            <a:r>
-              <a:rPr lang="en-PH" sz="2000" b="1" dirty="0" smtClean="0"/>
+              <a:t> appears in 4 transactions (2, 3, 4, 5) ➔ </a:t>
+            </a:r>
+            <a:r>
+              <a:rPr lang="en-PH" sz="2000" b="1" dirty="0"/>
               <a:t>frequent</a:t>
             </a:r>
           </a:p>
           <a:p>
             <a:pPr marL="0" lvl="1"/>
             <a:r>
-              <a:rPr lang="en-PH" sz="2000" b="1" dirty="0" smtClean="0"/>
+              <a:rPr lang="en-PH" sz="2000" b="1" dirty="0"/>
               <a:t>Beer</a:t>
             </a:r>
             <a:r>
-              <a:rPr lang="en-PH" sz="2000" dirty="0" smtClean="0"/>
-              <a:t> </a:t>
-            </a:r>
-            <a:r>
               <a:rPr lang="en-PH" sz="2000" dirty="0"/>
-              <a:t>appears in 3 transactions (2, 3, 4) ➔ </a:t>
-            </a:r>
-            <a:r>
-              <a:rPr lang="en-PH" sz="2000" b="1" dirty="0" smtClean="0"/>
+              <a:t> appears in 3 transactions (2, 3, 4) ➔ </a:t>
+            </a:r>
+            <a:r>
+              <a:rPr lang="en-PH" sz="2000" b="1" dirty="0"/>
               <a:t>frequent</a:t>
             </a:r>
           </a:p>
           <a:p>
             <a:pPr marL="0" lvl="1"/>
             <a:r>
-              <a:rPr lang="en-PH" sz="2000" b="1" dirty="0" smtClean="0"/>
+              <a:rPr lang="en-PH" sz="2000" b="1" dirty="0"/>
               <a:t>Coke</a:t>
             </a:r>
             <a:r>
-              <a:rPr lang="en-PH" sz="2000" dirty="0" smtClean="0"/>
-              <a:t> </a:t>
-            </a:r>
-            <a:r>
               <a:rPr lang="en-PH" sz="2000" dirty="0"/>
-              <a:t>appears in 2 transactions (3, 5) ➔ </a:t>
+              <a:t> appears in 2 transactions (3, 5) ➔ </a:t>
             </a:r>
             <a:r>
               <a:rPr lang="en-PH" sz="2000" b="1" dirty="0">
@@ -9556,46 +9364,26 @@
                   <a:srgbClr val="FF0000"/>
                 </a:solidFill>
               </a:rPr>
-              <a:t>not </a:t>
-            </a:r>
-            <a:r>
-              <a:rPr lang="en-PH" sz="2000" b="1" dirty="0" smtClean="0">
+              <a:t>not frequent</a:t>
+            </a:r>
+          </a:p>
+          <a:p>
+            <a:pPr marL="0" lvl="1"/>
+            <a:r>
+              <a:rPr lang="en-PH" sz="2000" b="1" dirty="0"/>
+              <a:t>Eggs</a:t>
+            </a:r>
+            <a:r>
+              <a:rPr lang="en-PH" sz="2000" dirty="0"/>
+              <a:t> appears in 1 transaction (2) ➔ </a:t>
+            </a:r>
+            <a:r>
+              <a:rPr lang="en-PH" sz="2000" b="1" dirty="0">
                 <a:solidFill>
                   <a:srgbClr val="FF0000"/>
                 </a:solidFill>
               </a:rPr>
-              <a:t>frequent</a:t>
-            </a:r>
-          </a:p>
-          <a:p>
-            <a:pPr marL="0" lvl="1"/>
-            <a:r>
-              <a:rPr lang="en-PH" sz="2000" b="1" dirty="0" smtClean="0"/>
-              <a:t>Eggs</a:t>
-            </a:r>
-            <a:r>
-              <a:rPr lang="en-PH" sz="2000" dirty="0" smtClean="0"/>
-              <a:t> </a:t>
-            </a:r>
-            <a:r>
-              <a:rPr lang="en-PH" sz="2000" dirty="0"/>
-              <a:t>appears in 1 transaction (2) ➔ </a:t>
-            </a:r>
-            <a:r>
-              <a:rPr lang="en-PH" sz="2000" b="1" dirty="0">
-                <a:solidFill>
-                  <a:srgbClr val="FF0000"/>
-                </a:solidFill>
-              </a:rPr>
-              <a:t>not </a:t>
-            </a:r>
-            <a:r>
-              <a:rPr lang="en-PH" sz="2000" b="1" dirty="0" smtClean="0">
-                <a:solidFill>
-                  <a:srgbClr val="FF0000"/>
-                </a:solidFill>
-              </a:rPr>
-              <a:t>frequent</a:t>
+              <a:t>not frequent</a:t>
             </a:r>
           </a:p>
           <a:p>
@@ -9634,11 +9422,7 @@
             </a:r>
             <a:r>
               <a:rPr lang="en-US" sz="2000" dirty="0"/>
-              <a:t>{Coke} and {Eggs} from further </a:t>
-            </a:r>
-            <a:r>
-              <a:rPr lang="en-US" sz="2000" dirty="0" smtClean="0"/>
-              <a:t>consideration.11</a:t>
+              <a:t>{Coke} and {Eggs} from further consideration.11</a:t>
             </a:r>
             <a:endParaRPr lang="en-US" sz="2000" b="1" dirty="0">
               <a:solidFill>
@@ -9658,13 +9442,6 @@
   <p:clrMapOvr>
     <a:masterClrMapping/>
   </p:clrMapOvr>
-  <p:timing>
-    <p:tnLst>
-      <p:par>
-        <p:cTn id="1" dur="indefinite" restart="never" nodeType="tmRoot"/>
-      </p:par>
-    </p:tnLst>
-  </p:timing>
 </p:sld>
 </file>
 
@@ -9709,7 +9486,7 @@
           <a:p>
             <a:pPr marL="0" lvl="1"/>
             <a:r>
-              <a:rPr lang="en-US" sz="2400" b="1" dirty="0" smtClean="0"/>
+              <a:rPr lang="en-US" sz="2400" b="1" dirty="0"/>
               <a:t>Step 2: Identify Frequent 2-Itemsets</a:t>
             </a:r>
           </a:p>
@@ -9717,11 +9494,7 @@
             <a:pPr marL="0" lvl="1"/>
             <a:r>
               <a:rPr lang="en-US" sz="2400" dirty="0"/>
-              <a:t>Form 2-itemsets using only the frequent 1-itemsets: {Bread, Milk, Diaper, Beer</a:t>
-            </a:r>
-            <a:r>
-              <a:rPr lang="en-US" sz="2400" dirty="0" smtClean="0"/>
-              <a:t>}.</a:t>
+              <a:t>Form 2-itemsets using only the frequent 1-itemsets: {Bread, Milk, Diaper, Beer}.</a:t>
             </a:r>
           </a:p>
           <a:p>
@@ -9739,7 +9512,7 @@
               <a:t> appears in 3 transactions (1, 4, 5) ➔ </a:t>
             </a:r>
             <a:r>
-              <a:rPr lang="en-PH" sz="2400" b="1" dirty="0" smtClean="0"/>
+              <a:rPr lang="en-PH" sz="2400" b="1" dirty="0"/>
               <a:t>frequent</a:t>
             </a:r>
           </a:p>
@@ -9747,34 +9520,22 @@
             <a:pPr marL="0" lvl="1"/>
             <a:r>
               <a:rPr lang="en-PH" sz="2400" b="1" dirty="0"/>
-              <a:t>{</a:t>
-            </a:r>
-            <a:r>
-              <a:rPr lang="en-PH" sz="2400" b="1" dirty="0" smtClean="0"/>
-              <a:t>Bread</a:t>
-            </a:r>
-            <a:r>
-              <a:rPr lang="en-PH" sz="2400" b="1" dirty="0"/>
-              <a:t>, Diaper}</a:t>
+              <a:t>{Bread, Diaper}</a:t>
             </a:r>
             <a:r>
               <a:rPr lang="en-PH" sz="2400" dirty="0"/>
               <a:t> appears in 3 transactions (2, 4, 5) ➔ </a:t>
             </a:r>
             <a:r>
-              <a:rPr lang="en-PH" sz="2400" b="1" dirty="0" smtClean="0"/>
+              <a:rPr lang="en-PH" sz="2400" b="1" dirty="0"/>
               <a:t>frequent</a:t>
             </a:r>
           </a:p>
           <a:p>
             <a:pPr marL="0" lvl="1"/>
             <a:r>
-              <a:rPr lang="en-PH" sz="2400" b="1" dirty="0" smtClean="0"/>
-              <a:t>{</a:t>
-            </a:r>
-            <a:r>
               <a:rPr lang="en-PH" sz="2400" b="1" dirty="0"/>
-              <a:t>Bread, Beer}</a:t>
+              <a:t>{Bread, Beer}</a:t>
             </a:r>
             <a:r>
               <a:rPr lang="en-PH" sz="2400" dirty="0"/>
@@ -9794,45 +9555,29 @@
                   <a:srgbClr val="FF0000"/>
                 </a:solidFill>
               </a:rPr>
-              <a:t> (pruned</a:t>
-            </a:r>
-            <a:r>
-              <a:rPr lang="en-PH" sz="2400" dirty="0" smtClean="0">
-                <a:solidFill>
-                  <a:srgbClr val="FF0000"/>
-                </a:solidFill>
-              </a:rPr>
-              <a:t>)</a:t>
+              <a:t> (pruned)</a:t>
             </a:r>
           </a:p>
           <a:p>
             <a:pPr marL="0" lvl="1"/>
             <a:r>
-              <a:rPr lang="en-PH" sz="2400" b="1" dirty="0" smtClean="0"/>
-              <a:t>{</a:t>
-            </a:r>
-            <a:r>
               <a:rPr lang="en-PH" sz="2400" b="1" dirty="0"/>
-              <a:t>Milk, Diaper}</a:t>
+              <a:t>{Milk, Diaper}</a:t>
             </a:r>
             <a:r>
               <a:rPr lang="en-PH" sz="2400" dirty="0"/>
               <a:t> appears in 3 transactions (3, 4, 5) ➔ </a:t>
             </a:r>
             <a:r>
-              <a:rPr lang="en-PH" sz="2400" b="1" dirty="0" smtClean="0"/>
+              <a:rPr lang="en-PH" sz="2400" b="1" dirty="0"/>
               <a:t>frequent</a:t>
             </a:r>
           </a:p>
           <a:p>
             <a:pPr marL="0" lvl="1"/>
             <a:r>
-              <a:rPr lang="en-PH" sz="2400" b="1" dirty="0" smtClean="0"/>
-              <a:t>{</a:t>
-            </a:r>
-            <a:r>
               <a:rPr lang="en-PH" sz="2400" b="1" dirty="0"/>
-              <a:t>Milk, Beer}</a:t>
+              <a:t>{Milk, Beer}</a:t>
             </a:r>
             <a:r>
               <a:rPr lang="en-PH" sz="2400" dirty="0"/>
@@ -9852,33 +9597,21 @@
                   <a:srgbClr val="FF0000"/>
                 </a:solidFill>
               </a:rPr>
-              <a:t> (pruned</a:t>
-            </a:r>
-            <a:r>
-              <a:rPr lang="en-PH" sz="2400" dirty="0" smtClean="0">
-                <a:solidFill>
-                  <a:srgbClr val="FF0000"/>
-                </a:solidFill>
-              </a:rPr>
-              <a:t>)</a:t>
+              <a:t> (pruned)</a:t>
             </a:r>
           </a:p>
           <a:p>
             <a:pPr marL="0" lvl="1"/>
             <a:r>
-              <a:rPr lang="en-PH" sz="2400" b="1" dirty="0" smtClean="0"/>
-              <a:t>{</a:t>
-            </a:r>
-            <a:r>
               <a:rPr lang="en-PH" sz="2400" b="1" dirty="0"/>
-              <a:t>Diaper, Beer}</a:t>
+              <a:t>{Diaper, Beer}</a:t>
             </a:r>
             <a:r>
               <a:rPr lang="en-PH" sz="2400" dirty="0"/>
               <a:t> appears in 3 transactions (2, 3, 4) ➔ </a:t>
             </a:r>
             <a:r>
-              <a:rPr lang="en-PH" sz="2400" b="1" dirty="0" smtClean="0"/>
+              <a:rPr lang="en-PH" sz="2400" b="1" dirty="0"/>
               <a:t>frequent</a:t>
             </a:r>
           </a:p>
@@ -9917,20 +9650,12 @@
               <a:t>that include pruned 2-itemsets </a:t>
             </a:r>
             <a:r>
-              <a:rPr lang="en-US" sz="2400" i="1" dirty="0" smtClean="0">
+              <a:rPr lang="en-US" sz="2400" i="1" dirty="0">
                 <a:solidFill>
                   <a:srgbClr val="FF0000"/>
                 </a:solidFill>
               </a:rPr>
-              <a:t>{</a:t>
-            </a:r>
-            <a:r>
-              <a:rPr lang="en-US" sz="2400" i="1" dirty="0">
-                <a:solidFill>
-                  <a:srgbClr val="FF0000"/>
-                </a:solidFill>
-              </a:rPr>
-              <a:t>Bread, Beer} </a:t>
+              <a:t>{Bread, Beer} </a:t>
             </a:r>
             <a:r>
               <a:rPr lang="en-US" sz="2400" dirty="0"/>
@@ -9942,15 +9667,7 @@
                   <a:srgbClr val="FF0000"/>
                 </a:solidFill>
               </a:rPr>
-              <a:t>{Milk, Beer</a:t>
-            </a:r>
-            <a:r>
-              <a:rPr lang="en-US" sz="2400" i="1" dirty="0" smtClean="0">
-                <a:solidFill>
-                  <a:srgbClr val="FF0000"/>
-                </a:solidFill>
-              </a:rPr>
-              <a:t>} </a:t>
+              <a:t>{Milk, Beer} </a:t>
             </a:r>
             <a:r>
               <a:rPr lang="en-US" sz="2400" dirty="0"/>
@@ -9974,13 +9691,6 @@
   <p:clrMapOvr>
     <a:masterClrMapping/>
   </p:clrMapOvr>
-  <p:timing>
-    <p:tnLst>
-      <p:par>
-        <p:cTn id="1" dur="indefinite" restart="never" nodeType="tmRoot"/>
-      </p:par>
-    </p:tnLst>
-  </p:timing>
 </p:sld>
 </file>
 
@@ -10025,7 +9735,7 @@
           <a:p>
             <a:pPr marL="0" lvl="1"/>
             <a:r>
-              <a:rPr lang="en-US" sz="2400" b="1" dirty="0" smtClean="0"/>
+              <a:rPr lang="en-US" sz="2400" b="1" dirty="0"/>
               <a:t>Step 3: Generate Candidate 3-Itemsets</a:t>
             </a:r>
           </a:p>
@@ -10040,7 +9750,7 @@
               <a:t>frequent 2-itemsets</a:t>
             </a:r>
             <a:r>
-              <a:rPr lang="en-US" sz="2400" dirty="0" smtClean="0"/>
+              <a:rPr lang="en-US" sz="2400" dirty="0"/>
               <a:t>.</a:t>
             </a:r>
           </a:p>
@@ -10059,19 +9769,15 @@
               <a:t> appears in 3 transactions (4, 5) ➔ </a:t>
             </a:r>
             <a:r>
-              <a:rPr lang="en-PH" sz="2400" b="1" dirty="0" smtClean="0"/>
+              <a:rPr lang="en-PH" sz="2400" b="1" dirty="0"/>
               <a:t>frequent</a:t>
             </a:r>
           </a:p>
           <a:p>
             <a:pPr marL="0" lvl="1"/>
             <a:r>
-              <a:rPr lang="en-PH" sz="2400" b="1" dirty="0" smtClean="0"/>
-              <a:t>{</a:t>
-            </a:r>
-            <a:r>
               <a:rPr lang="en-PH" sz="2400" b="1" dirty="0"/>
-              <a:t>Milk, Diaper, Beer}</a:t>
+              <a:t>{Milk, Diaper, Beer}</a:t>
             </a:r>
             <a:r>
               <a:rPr lang="en-PH" sz="2400" dirty="0"/>
@@ -10091,26 +9797,14 @@
                   <a:srgbClr val="FF0000"/>
                 </a:solidFill>
               </a:rPr>
-              <a:t> (pruned</a:t>
-            </a:r>
-            <a:r>
-              <a:rPr lang="en-PH" sz="2400" dirty="0" smtClean="0">
-                <a:solidFill>
-                  <a:srgbClr val="FF0000"/>
-                </a:solidFill>
-              </a:rPr>
-              <a:t>)</a:t>
+              <a:t> (pruned)</a:t>
             </a:r>
           </a:p>
           <a:p>
             <a:pPr marL="0" lvl="1"/>
             <a:r>
-              <a:rPr lang="en-PH" sz="2400" b="1" dirty="0" smtClean="0"/>
-              <a:t>{</a:t>
-            </a:r>
-            <a:r>
               <a:rPr lang="en-PH" sz="2400" b="1" dirty="0"/>
-              <a:t>Bread, Diaper, Beer}</a:t>
+              <a:t>{Bread, Diaper, Beer}</a:t>
             </a:r>
             <a:r>
               <a:rPr lang="en-PH" sz="2400" dirty="0"/>
@@ -10198,13 +9892,6 @@
   <p:clrMapOvr>
     <a:masterClrMapping/>
   </p:clrMapOvr>
-  <p:timing>
-    <p:tnLst>
-      <p:par>
-        <p:cTn id="1" dur="indefinite" restart="never" nodeType="tmRoot"/>
-      </p:par>
-    </p:tnLst>
-  </p:timing>
 </p:sld>
 </file>
 
@@ -10249,7 +9936,7 @@
           <a:p>
             <a:pPr marL="0" lvl="1"/>
             <a:r>
-              <a:rPr lang="en-US" sz="3600" b="1" dirty="0" smtClean="0"/>
+              <a:rPr lang="en-US" sz="3600" b="1" dirty="0"/>
               <a:t>Pruning Summary</a:t>
             </a:r>
           </a:p>
@@ -10279,17 +9966,12 @@
               <a:rPr lang="en-US" sz="2400" dirty="0"/>
               <a:t> with infrequent subsets. </a:t>
             </a:r>
-            <a:endParaRPr lang="en-US" sz="2400" dirty="0" smtClean="0"/>
           </a:p>
           <a:p>
             <a:pPr marL="0" lvl="1"/>
             <a:r>
-              <a:rPr lang="en-US" sz="2400" dirty="0" smtClean="0"/>
-              <a:t>For </a:t>
-            </a:r>
-            <a:r>
               <a:rPr lang="en-US" sz="2400" dirty="0"/>
-              <a:t>example, we didn’t evaluate </a:t>
+              <a:t>For example, we didn’t evaluate </a:t>
             </a:r>
             <a:r>
               <a:rPr lang="en-US" sz="2400" i="1" dirty="0">
@@ -10313,11 +9995,7 @@
             </a:r>
             <a:r>
               <a:rPr lang="en-US" sz="2400" dirty="0"/>
-              <a:t>itself was infrequent</a:t>
-            </a:r>
-            <a:r>
-              <a:rPr lang="en-US" sz="2400" dirty="0" smtClean="0"/>
-              <a:t>.</a:t>
+              <a:t>itself was infrequent.</a:t>
             </a:r>
           </a:p>
           <a:p>
@@ -10327,15 +10005,15 @@
           <a:p>
             <a:pPr marL="0" lvl="1"/>
             <a:r>
-              <a:rPr lang="en-US" sz="2400" b="1" dirty="0" smtClean="0"/>
+              <a:rPr lang="en-US" sz="2400" b="1" dirty="0"/>
               <a:t>Resulting Frequent </a:t>
             </a:r>
             <a:r>
-              <a:rPr lang="en-US" sz="2400" b="1" dirty="0" err="1" smtClean="0"/>
+              <a:rPr lang="en-US" sz="2400" b="1" dirty="0" err="1"/>
               <a:t>Itemsets</a:t>
             </a:r>
             <a:r>
-              <a:rPr lang="en-US" sz="2400" b="1" dirty="0" smtClean="0"/>
+              <a:rPr lang="en-US" sz="2400" b="1" dirty="0"/>
               <a:t>:</a:t>
             </a:r>
           </a:p>
@@ -10355,15 +10033,7 @@
                   <a:srgbClr val="FF0000"/>
                 </a:solidFill>
               </a:rPr>
-              <a:t>{Bread}, {Milk}, {Diaper}, {Beer</a:t>
-            </a:r>
-            <a:r>
-              <a:rPr lang="en-PH" sz="2400" i="1" dirty="0" smtClean="0">
-                <a:solidFill>
-                  <a:srgbClr val="FF0000"/>
-                </a:solidFill>
-              </a:rPr>
-              <a:t>}</a:t>
+              <a:t>{Bread}, {Milk}, {Diaper}, {Beer}</a:t>
             </a:r>
           </a:p>
           <a:p>
@@ -10378,15 +10048,7 @@
                   <a:srgbClr val="FF0000"/>
                 </a:solidFill>
               </a:rPr>
-              <a:t> {Bread, Milk}, {Bread, Diaper}, {Milk, Diaper}, {Diaper, Beer</a:t>
-            </a:r>
-            <a:r>
-              <a:rPr lang="en-PH" sz="2400" i="1" dirty="0" smtClean="0">
-                <a:solidFill>
-                  <a:srgbClr val="FF0000"/>
-                </a:solidFill>
-              </a:rPr>
-              <a:t>}</a:t>
+              <a:t> {Bread, Milk}, {Bread, Diaper}, {Milk, Diaper}, {Diaper, Beer}</a:t>
             </a:r>
           </a:p>
           <a:p>
@@ -10401,20 +10063,12 @@
                   <a:srgbClr val="FF0000"/>
                 </a:solidFill>
               </a:rPr>
-              <a:t>{Bread, Milk, Diaper</a:t>
-            </a:r>
-            <a:r>
-              <a:rPr lang="en-PH" sz="2400" i="1" dirty="0" smtClean="0">
-                <a:solidFill>
-                  <a:srgbClr val="FF0000"/>
-                </a:solidFill>
-              </a:rPr>
-              <a:t>}</a:t>
+              <a:t>{Bread, Milk, Diaper}</a:t>
             </a:r>
           </a:p>
           <a:p>
             <a:pPr marL="0" lvl="1"/>
-            <a:endParaRPr lang="en-US" sz="1100" b="1" i="1" dirty="0" smtClean="0">
+            <a:endParaRPr lang="en-US" sz="1100" b="1" i="1" dirty="0">
               <a:solidFill>
                 <a:srgbClr val="FF0000"/>
               </a:solidFill>
@@ -10423,12 +10077,8 @@
           <a:p>
             <a:pPr marL="0" lvl="1"/>
             <a:r>
-              <a:rPr lang="en-US" sz="2400" dirty="0" smtClean="0"/>
-              <a:t>This </a:t>
-            </a:r>
-            <a:r>
               <a:rPr lang="en-US" sz="2400" dirty="0"/>
-              <a:t>example clearly shows how the </a:t>
+              <a:t>This example clearly shows how the </a:t>
             </a:r>
             <a:r>
               <a:rPr lang="en-US" sz="2400" dirty="0" err="1"/>
@@ -10464,13 +10114,6 @@
   <p:clrMapOvr>
     <a:masterClrMapping/>
   </p:clrMapOvr>
-  <p:timing>
-    <p:tnLst>
-      <p:par>
-        <p:cTn id="1" dur="indefinite" restart="never" nodeType="tmRoot"/>
-      </p:par>
-    </p:tnLst>
-  </p:timing>
 </p:sld>
 </file>
 
@@ -10514,10 +10157,9 @@
           <a:lstStyle/>
           <a:p>
             <a:r>
-              <a:rPr lang="en-US" sz="4400" b="1" dirty="0" smtClean="0"/>
+              <a:rPr lang="en-US" sz="4400" b="1" dirty="0"/>
               <a:t>Basic Concepts of ARM</a:t>
             </a:r>
-            <a:endParaRPr lang="en-US" sz="4400" b="1" dirty="0"/>
           </a:p>
           <a:p>
             <a:endParaRPr lang="en-US" sz="1400" b="1" dirty="0"/>
@@ -10528,11 +10170,11 @@
               <a:buChar char="-"/>
             </a:pPr>
             <a:r>
-              <a:rPr lang="en-US" sz="2800" dirty="0" smtClean="0"/>
+              <a:rPr lang="en-US" sz="2800" dirty="0"/>
               <a:t>For instance, in a supermarket, ARM might reveal that “</a:t>
             </a:r>
             <a:r>
-              <a:rPr lang="en-US" sz="2800" dirty="0" smtClean="0">
+              <a:rPr lang="en-US" sz="2800" dirty="0">
                 <a:solidFill>
                   <a:srgbClr val="C00000"/>
                 </a:solidFill>
@@ -10540,37 +10182,8 @@
               <a:t>customers who buy bread and butter often also buy milk</a:t>
             </a:r>
             <a:r>
-              <a:rPr lang="en-US" sz="2800" dirty="0" smtClean="0"/>
+              <a:rPr lang="en-US" sz="2800" dirty="0"/>
               <a:t>”</a:t>
-            </a:r>
-          </a:p>
-          <a:p>
-            <a:pPr marL="457200" indent="-457200">
-              <a:buFontTx/>
-              <a:buChar char="-"/>
-            </a:pPr>
-            <a:endParaRPr lang="en-US" sz="2800" dirty="0" smtClean="0"/>
-          </a:p>
-          <a:p>
-            <a:pPr marL="457200" indent="-457200">
-              <a:buFontTx/>
-              <a:buChar char="-"/>
-            </a:pPr>
-            <a:r>
-              <a:rPr lang="en-US" sz="2800" dirty="0" smtClean="0"/>
-              <a:t>If </a:t>
-            </a:r>
-            <a:r>
-              <a:rPr lang="en-US" sz="2800" b="1" dirty="0" smtClean="0"/>
-              <a:t>{bread, butter}</a:t>
-            </a:r>
-            <a:r>
-              <a:rPr lang="en-US" sz="2800" dirty="0" smtClean="0"/>
-              <a:t> then </a:t>
-            </a:r>
-            <a:r>
-              <a:rPr lang="en-US" sz="2800" b="1" dirty="0" smtClean="0"/>
-              <a:t>{milk}</a:t>
             </a:r>
           </a:p>
           <a:p>
@@ -10586,12 +10199,41 @@
               <a:buChar char="-"/>
             </a:pPr>
             <a:r>
-              <a:rPr lang="en-US" sz="2800" dirty="0" smtClean="0"/>
+              <a:rPr lang="en-US" sz="2800" dirty="0"/>
+              <a:t>If </a:t>
+            </a:r>
+            <a:r>
+              <a:rPr lang="en-US" sz="2800" b="1" dirty="0"/>
+              <a:t>{bread, butter}</a:t>
+            </a:r>
+            <a:r>
+              <a:rPr lang="en-US" sz="2800" dirty="0"/>
+              <a:t> then </a:t>
+            </a:r>
+            <a:r>
+              <a:rPr lang="en-US" sz="2800" b="1" dirty="0"/>
+              <a:t>{milk}</a:t>
+            </a:r>
+          </a:p>
+          <a:p>
+            <a:pPr marL="457200" indent="-457200">
+              <a:buFontTx/>
+              <a:buChar char="-"/>
+            </a:pPr>
+            <a:endParaRPr lang="en-US" sz="2800" dirty="0"/>
+          </a:p>
+          <a:p>
+            <a:pPr marL="457200" indent="-457200">
+              <a:buFontTx/>
+              <a:buChar char="-"/>
+            </a:pPr>
+            <a:r>
+              <a:rPr lang="en-US" sz="2800" dirty="0"/>
               <a:t>These rules reveal dependencies and correlations among items, often helping organizations in cross-selling, recommendation systems, and inventory management</a:t>
             </a:r>
           </a:p>
           <a:p>
-            <a:endParaRPr lang="en-US" sz="1400" b="1" dirty="0" smtClean="0"/>
+            <a:endParaRPr lang="en-US" sz="1400" b="1" dirty="0"/>
           </a:p>
         </p:txBody>
       </p:sp>
@@ -10605,13 +10247,6 @@
   <p:clrMapOvr>
     <a:masterClrMapping/>
   </p:clrMapOvr>
-  <p:timing>
-    <p:tnLst>
-      <p:par>
-        <p:cTn id="1" dur="indefinite" restart="never" nodeType="tmRoot"/>
-      </p:par>
-    </p:tnLst>
-  </p:timing>
 </p:sld>
 </file>
 
@@ -10689,13 +10324,6 @@
   <p:clrMapOvr>
     <a:masterClrMapping/>
   </p:clrMapOvr>
-  <p:timing>
-    <p:tnLst>
-      <p:par>
-        <p:cTn id="1" dur="indefinite" restart="never" nodeType="tmRoot"/>
-      </p:par>
-    </p:tnLst>
-  </p:timing>
 </p:sld>
 </file>
 
@@ -10740,10 +10368,9 @@
           <a:p>
             <a:pPr algn="ctr"/>
             <a:r>
-              <a:rPr lang="en-US" sz="6000" b="1" dirty="0" smtClean="0"/>
+              <a:rPr lang="en-US" sz="6000" b="1" dirty="0"/>
               <a:t>Key Terminologies</a:t>
             </a:r>
-            <a:endParaRPr lang="en-US" sz="6000" b="1" dirty="0"/>
           </a:p>
         </p:txBody>
       </p:sp>
@@ -10800,11 +10427,11 @@
           <a:lstStyle/>
           <a:p>
             <a:r>
-              <a:rPr lang="en-US" sz="3200" b="1" dirty="0" err="1" smtClean="0"/>
+              <a:rPr lang="en-US" sz="3200" b="1" dirty="0" err="1"/>
               <a:t>Itemset</a:t>
             </a:r>
             <a:r>
-              <a:rPr lang="en-US" sz="3200" b="1" dirty="0" smtClean="0"/>
+              <a:rPr lang="en-US" sz="3200" b="1" dirty="0"/>
               <a:t>:</a:t>
             </a:r>
           </a:p>
@@ -10813,7 +10440,7 @@
           </a:p>
           <a:p>
             <a:r>
-              <a:rPr lang="en-US" sz="2800" dirty="0" smtClean="0"/>
+              <a:rPr lang="en-US" sz="2800" dirty="0"/>
               <a:t>A collection of one or more items:</a:t>
             </a:r>
           </a:p>
@@ -10822,7 +10449,7 @@
           </a:p>
           <a:p>
             <a:r>
-              <a:rPr lang="en-US" sz="2800" i="1" dirty="0" smtClean="0">
+              <a:rPr lang="en-US" sz="2800" i="1" dirty="0">
                 <a:solidFill>
                   <a:srgbClr val="C00000"/>
                 </a:solidFill>
@@ -10831,7 +10458,7 @@
             </a:r>
           </a:p>
           <a:p>
-            <a:endParaRPr lang="en-US" sz="1400" i="1" dirty="0" smtClean="0">
+            <a:endParaRPr lang="en-US" sz="1400" i="1" dirty="0">
               <a:solidFill>
                 <a:srgbClr val="C00000"/>
               </a:solidFill>
@@ -10839,18 +10466,13 @@
           </a:p>
           <a:p>
             <a:r>
-              <a:rPr lang="en-US" sz="2800" i="1" dirty="0" smtClean="0">
+              <a:rPr lang="en-US" sz="2800" i="1" dirty="0">
                 <a:solidFill>
                   <a:srgbClr val="C00000"/>
                 </a:solidFill>
               </a:rPr>
               <a:t>{Bread, Milk}</a:t>
             </a:r>
-            <a:endParaRPr lang="en-US" sz="2800" i="1" dirty="0">
-              <a:solidFill>
-                <a:srgbClr val="C00000"/>
-              </a:solidFill>
-            </a:endParaRPr>
           </a:p>
         </p:txBody>
       </p:sp>
@@ -10971,15 +10593,15 @@
           <a:lstStyle/>
           <a:p>
             <a:r>
-              <a:rPr lang="en-US" sz="3200" b="1" dirty="0" smtClean="0"/>
+              <a:rPr lang="en-US" sz="3200" b="1" dirty="0"/>
               <a:t>K-</a:t>
             </a:r>
             <a:r>
-              <a:rPr lang="en-US" sz="3200" b="1" dirty="0" err="1" smtClean="0"/>
+              <a:rPr lang="en-US" sz="3200" b="1" dirty="0" err="1"/>
               <a:t>Itemset</a:t>
             </a:r>
             <a:r>
-              <a:rPr lang="en-US" sz="3200" b="1" dirty="0" smtClean="0"/>
+              <a:rPr lang="en-US" sz="3200" b="1" dirty="0"/>
               <a:t>:</a:t>
             </a:r>
           </a:p>
@@ -10988,15 +10610,15 @@
           </a:p>
           <a:p>
             <a:r>
-              <a:rPr lang="en-US" sz="2800" dirty="0" smtClean="0"/>
+              <a:rPr lang="en-US" sz="2800" dirty="0"/>
               <a:t>An </a:t>
             </a:r>
             <a:r>
-              <a:rPr lang="en-US" sz="2800" dirty="0" err="1" smtClean="0"/>
+              <a:rPr lang="en-US" sz="2800" dirty="0" err="1"/>
               <a:t>itemset</a:t>
             </a:r>
             <a:r>
-              <a:rPr lang="en-US" sz="2800" dirty="0" smtClean="0"/>
+              <a:rPr lang="en-US" sz="2800" dirty="0"/>
               <a:t> containing exactly k-items:</a:t>
             </a:r>
           </a:p>
@@ -11005,7 +10627,7 @@
           </a:p>
           <a:p>
             <a:r>
-              <a:rPr lang="en-US" sz="2800" i="1" dirty="0" smtClean="0">
+              <a:rPr lang="en-US" sz="2800" i="1" dirty="0">
                 <a:solidFill>
                   <a:srgbClr val="C00000"/>
                 </a:solidFill>
@@ -11013,12 +10635,12 @@
               <a:t>{Bread, Milk} </a:t>
             </a:r>
             <a:r>
-              <a:rPr lang="en-US" sz="2800" i="1" dirty="0" smtClean="0"/>
+              <a:rPr lang="en-US" sz="2800" i="1" dirty="0"/>
               <a:t>is a 2-itemset</a:t>
             </a:r>
           </a:p>
           <a:p>
-            <a:endParaRPr lang="en-US" sz="1400" i="1" dirty="0" smtClean="0">
+            <a:endParaRPr lang="en-US" sz="1400" i="1" dirty="0">
               <a:solidFill>
                 <a:srgbClr val="C00000"/>
               </a:solidFill>
@@ -11026,7 +10648,7 @@
           </a:p>
           <a:p>
             <a:r>
-              <a:rPr lang="en-US" sz="2800" i="1" dirty="0" smtClean="0">
+              <a:rPr lang="en-US" sz="2800" i="1" dirty="0">
                 <a:solidFill>
                   <a:srgbClr val="C00000"/>
                 </a:solidFill>
@@ -11034,10 +10656,9 @@
               <a:t>{Bread, Milk, Diaper} </a:t>
             </a:r>
             <a:r>
-              <a:rPr lang="en-US" sz="2800" i="1" dirty="0" smtClean="0"/>
+              <a:rPr lang="en-US" sz="2800" i="1" dirty="0"/>
               <a:t>is a 3-itemset</a:t>
             </a:r>
-            <a:endParaRPr lang="en-US" sz="2800" i="1" dirty="0"/>
           </a:p>
         </p:txBody>
       </p:sp>
@@ -11222,7 +10843,7 @@
           <a:lstStyle/>
           <a:p>
             <a:r>
-              <a:rPr lang="en-US" sz="3200" b="1" dirty="0" smtClean="0"/>
+              <a:rPr lang="en-US" sz="3200" b="1" dirty="0"/>
               <a:t>Support Count (</a:t>
             </a:r>
             <a:r>
@@ -11230,7 +10851,7 @@
               <a:t>σ</a:t>
             </a:r>
             <a:r>
-              <a:rPr lang="en-US" sz="3200" b="1" dirty="0" smtClean="0"/>
+              <a:rPr lang="en-US" sz="3200" b="1" dirty="0"/>
               <a:t>):</a:t>
             </a:r>
           </a:p>
@@ -11239,19 +10860,19 @@
           </a:p>
           <a:p>
             <a:r>
-              <a:rPr lang="en-US" sz="2800" dirty="0" smtClean="0"/>
+              <a:rPr lang="en-US" sz="2800" dirty="0"/>
               <a:t>The number of transactions that include a particular </a:t>
             </a:r>
             <a:r>
-              <a:rPr lang="en-US" sz="2800" dirty="0" err="1" smtClean="0"/>
+              <a:rPr lang="en-US" sz="2800" dirty="0" err="1"/>
               <a:t>itemset</a:t>
             </a:r>
             <a:r>
-              <a:rPr lang="en-US" sz="2800" dirty="0" smtClean="0"/>
+              <a:rPr lang="en-US" sz="2800" dirty="0"/>
               <a:t>. For example, if </a:t>
             </a:r>
             <a:r>
-              <a:rPr lang="en-US" sz="2800" i="1" dirty="0" smtClean="0">
+              <a:rPr lang="en-US" sz="2800" i="1" dirty="0">
                 <a:solidFill>
                   <a:srgbClr val="C00000"/>
                 </a:solidFill>
@@ -11259,18 +10880,18 @@
               <a:t>{Bread, Milk} </a:t>
             </a:r>
             <a:r>
-              <a:rPr lang="en-US" sz="2800" i="1" dirty="0" smtClean="0"/>
+              <a:rPr lang="en-US" sz="2800" i="1" dirty="0"/>
               <a:t>appears in 3 out of 5 transactions, its </a:t>
             </a:r>
             <a:r>
-              <a:rPr lang="en-US" sz="2800" b="1" i="1" dirty="0" smtClean="0"/>
+              <a:rPr lang="en-US" sz="2800" b="1" i="1" dirty="0"/>
               <a:t>support count </a:t>
             </a:r>
             <a:r>
-              <a:rPr lang="en-US" sz="2800" i="1" dirty="0" smtClean="0"/>
+              <a:rPr lang="en-US" sz="2800" i="1" dirty="0"/>
               <a:t>is 3.</a:t>
             </a:r>
-            <a:endParaRPr lang="en-US" sz="2800" dirty="0" smtClean="0"/>
+            <a:endParaRPr lang="en-US" sz="2800" dirty="0"/>
           </a:p>
         </p:txBody>
       </p:sp>
@@ -11529,15 +11150,15 @@
           <a:lstStyle/>
           <a:p>
             <a:r>
-              <a:rPr lang="en-US" sz="3200" b="1" dirty="0" smtClean="0"/>
+              <a:rPr lang="en-US" sz="3200" b="1" dirty="0"/>
               <a:t>Support (</a:t>
             </a:r>
             <a:r>
-              <a:rPr lang="en-US" sz="3200" dirty="0" smtClean="0"/>
+              <a:rPr lang="en-US" sz="3200" dirty="0"/>
               <a:t>s</a:t>
             </a:r>
             <a:r>
-              <a:rPr lang="en-US" sz="3200" b="1" dirty="0" smtClean="0"/>
+              <a:rPr lang="en-US" sz="3200" b="1" dirty="0"/>
               <a:t>):</a:t>
             </a:r>
           </a:p>
@@ -11546,15 +11167,15 @@
           </a:p>
           <a:p>
             <a:r>
-              <a:rPr lang="en-US" sz="2800" dirty="0" smtClean="0"/>
+              <a:rPr lang="en-US" sz="2800" dirty="0"/>
               <a:t>The proportion of transactions containing </a:t>
             </a:r>
             <a:r>
-              <a:rPr lang="en-US" sz="2800" dirty="0" err="1" smtClean="0"/>
+              <a:rPr lang="en-US" sz="2800" dirty="0" err="1"/>
               <a:t>itemset</a:t>
             </a:r>
             <a:r>
-              <a:rPr lang="en-US" sz="2800" dirty="0" smtClean="0"/>
+              <a:rPr lang="en-US" sz="2800" dirty="0"/>
               <a:t>, calculated as support count / total transactions. </a:t>
             </a:r>
           </a:p>
@@ -11563,11 +11184,11 @@
           </a:p>
           <a:p>
             <a:r>
-              <a:rPr lang="en-US" sz="2800" dirty="0" smtClean="0"/>
+              <a:rPr lang="en-US" sz="2800" dirty="0"/>
               <a:t>For </a:t>
             </a:r>
             <a:r>
-              <a:rPr lang="en-US" sz="2800" i="1" dirty="0" smtClean="0">
+              <a:rPr lang="en-US" sz="2800" i="1" dirty="0">
                 <a:solidFill>
                   <a:srgbClr val="C00000"/>
                 </a:solidFill>
@@ -11575,15 +11196,15 @@
               <a:t>{Milk, Bread} </a:t>
             </a:r>
             <a:r>
-              <a:rPr lang="en-US" sz="2800" dirty="0" smtClean="0"/>
+              <a:rPr lang="en-US" sz="2800" dirty="0"/>
               <a:t>the </a:t>
             </a:r>
             <a:r>
-              <a:rPr lang="en-US" sz="2800" b="1" dirty="0" smtClean="0"/>
+              <a:rPr lang="en-US" sz="2800" b="1" dirty="0"/>
               <a:t>support </a:t>
             </a:r>
             <a:r>
-              <a:rPr lang="en-US" sz="2800" dirty="0" smtClean="0"/>
+              <a:rPr lang="en-US" sz="2800" dirty="0"/>
               <a:t>would be 3 / 5 = 0.6.</a:t>
             </a:r>
           </a:p>
@@ -11844,15 +11465,15 @@
           <a:lstStyle/>
           <a:p>
             <a:r>
-              <a:rPr lang="en-US" sz="3200" b="1" dirty="0" smtClean="0"/>
+              <a:rPr lang="en-US" sz="3200" b="1" dirty="0"/>
               <a:t>Frequent </a:t>
             </a:r>
             <a:r>
-              <a:rPr lang="en-US" sz="3200" b="1" dirty="0" err="1" smtClean="0"/>
+              <a:rPr lang="en-US" sz="3200" b="1" dirty="0" err="1"/>
               <a:t>Itemset</a:t>
             </a:r>
             <a:r>
-              <a:rPr lang="en-US" sz="3200" b="1" dirty="0" smtClean="0"/>
+              <a:rPr lang="en-US" sz="3200" b="1" dirty="0"/>
               <a:t>:</a:t>
             </a:r>
           </a:p>
@@ -11861,15 +11482,15 @@
           </a:p>
           <a:p>
             <a:r>
-              <a:rPr lang="en-US" sz="2800" dirty="0" smtClean="0"/>
+              <a:rPr lang="en-US" sz="2800" dirty="0"/>
               <a:t>An </a:t>
             </a:r>
             <a:r>
-              <a:rPr lang="en-US" sz="2800" dirty="0" err="1" smtClean="0"/>
+              <a:rPr lang="en-US" sz="2800" dirty="0" err="1"/>
               <a:t>itemset</a:t>
             </a:r>
             <a:r>
-              <a:rPr lang="en-US" sz="2800" dirty="0" smtClean="0"/>
+              <a:rPr lang="en-US" sz="2800" dirty="0"/>
               <a:t> whose support meets or exceeds a user-defined minimum support threshold.</a:t>
             </a:r>
           </a:p>
@@ -11878,19 +11499,19 @@
           </a:p>
           <a:p>
             <a:r>
-              <a:rPr lang="en-US" sz="2800" dirty="0" smtClean="0"/>
+              <a:rPr lang="en-US" sz="2800" dirty="0"/>
               <a:t>If minimum support threshold is set to </a:t>
             </a:r>
             <a:r>
-              <a:rPr lang="en-US" sz="2800" b="1" dirty="0" smtClean="0"/>
+              <a:rPr lang="en-US" sz="2800" b="1" dirty="0"/>
               <a:t>0.6</a:t>
             </a:r>
             <a:r>
-              <a:rPr lang="en-US" sz="2800" dirty="0" smtClean="0"/>
+              <a:rPr lang="en-US" sz="2800" dirty="0"/>
               <a:t>, then </a:t>
             </a:r>
             <a:r>
-              <a:rPr lang="en-US" sz="2800" i="1" dirty="0" smtClean="0">
+              <a:rPr lang="en-US" sz="2800" i="1" dirty="0">
                 <a:solidFill>
                   <a:srgbClr val="C00000"/>
                 </a:solidFill>
@@ -11898,15 +11519,15 @@
               <a:t>{Milk, Bread} </a:t>
             </a:r>
             <a:r>
-              <a:rPr lang="en-US" sz="2800" dirty="0" smtClean="0"/>
+              <a:rPr lang="en-US" sz="2800" dirty="0"/>
               <a:t>is a frequent </a:t>
             </a:r>
             <a:r>
-              <a:rPr lang="en-US" sz="2800" b="1" dirty="0" err="1" smtClean="0"/>
+              <a:rPr lang="en-US" sz="2800" b="1" dirty="0" err="1"/>
               <a:t>itemset</a:t>
             </a:r>
             <a:r>
-              <a:rPr lang="en-US" sz="2800" dirty="0" smtClean="0"/>
+              <a:rPr lang="en-US" sz="2800" dirty="0"/>
               <a:t>.</a:t>
             </a:r>
           </a:p>
@@ -12606,7 +12227,7 @@
   <a:extraClrSchemeLst/>
   <a:extLst>
     <a:ext uri="{05A4C25C-085E-4340-85A3-A5531E510DB2}">
-      <thm15:themeFamily xmlns="" xmlns:thm15="http://schemas.microsoft.com/office/thememl/2012/main" name="Office Theme" id="{62F939B6-93AF-4DB8-9C6B-D6C7DFDC589F}" vid="{4A3C46E8-61CC-4603-A589-7422A47A8E4A}"/>
+      <thm15:themeFamily xmlns:thm15="http://schemas.microsoft.com/office/thememl/2012/main" name="Office Theme" id="{62F939B6-93AF-4DB8-9C6B-D6C7DFDC589F}" vid="{4A3C46E8-61CC-4603-A589-7422A47A8E4A}"/>
     </a:ext>
   </a:extLst>
 </a:theme>
